--- a/Lecture_07.pptx
+++ b/Lecture_07.pptx
@@ -23,6 +23,7 @@
     <p:sldId id="270" r:id="rId17"/>
     <p:sldId id="271" r:id="rId18"/>
     <p:sldId id="272" r:id="rId19"/>
+    <p:sldId id="274" r:id="rId20"/>
   </p:sldIdLst>
   <p:sldSz cx="12192000" cy="6858000"/>
   <p:notesSz cx="6858000" cy="9144000"/>
@@ -121,6 +122,11 @@
       </a:defRPr>
     </a:lvl9pPr>
   </p:defaultTextStyle>
+  <p:extLst>
+    <p:ext uri="{EFAFB233-063F-42B5-8137-9DF3F51BA10A}">
+      <p15:sldGuideLst xmlns:p15="http://schemas.microsoft.com/office/powerpoint/2012/main"/>
+    </p:ext>
+  </p:extLst>
 </p:presentation>
 </file>
 
@@ -255,7 +261,7 @@
           <a:p>
             <a:fld id="{DEB4F25E-F15D-4103-B9A0-38D958A421E8}" type="datetimeFigureOut">
               <a:rPr lang="en-CA" smtClean="0"/>
-              <a:t>2019-10-01</a:t>
+              <a:t>2019-10-02</a:t>
             </a:fld>
             <a:endParaRPr lang="en-CA"/>
           </a:p>
@@ -425,7 +431,7 @@
           <a:p>
             <a:fld id="{DEB4F25E-F15D-4103-B9A0-38D958A421E8}" type="datetimeFigureOut">
               <a:rPr lang="en-CA" smtClean="0"/>
-              <a:t>2019-10-01</a:t>
+              <a:t>2019-10-02</a:t>
             </a:fld>
             <a:endParaRPr lang="en-CA"/>
           </a:p>
@@ -605,7 +611,7 @@
           <a:p>
             <a:fld id="{DEB4F25E-F15D-4103-B9A0-38D958A421E8}" type="datetimeFigureOut">
               <a:rPr lang="en-CA" smtClean="0"/>
-              <a:t>2019-10-01</a:t>
+              <a:t>2019-10-02</a:t>
             </a:fld>
             <a:endParaRPr lang="en-CA"/>
           </a:p>
@@ -775,7 +781,7 @@
           <a:p>
             <a:fld id="{DEB4F25E-F15D-4103-B9A0-38D958A421E8}" type="datetimeFigureOut">
               <a:rPr lang="en-CA" smtClean="0"/>
-              <a:t>2019-10-01</a:t>
+              <a:t>2019-10-02</a:t>
             </a:fld>
             <a:endParaRPr lang="en-CA"/>
           </a:p>
@@ -1021,7 +1027,7 @@
           <a:p>
             <a:fld id="{DEB4F25E-F15D-4103-B9A0-38D958A421E8}" type="datetimeFigureOut">
               <a:rPr lang="en-CA" smtClean="0"/>
-              <a:t>2019-10-01</a:t>
+              <a:t>2019-10-02</a:t>
             </a:fld>
             <a:endParaRPr lang="en-CA"/>
           </a:p>
@@ -1253,7 +1259,7 @@
           <a:p>
             <a:fld id="{DEB4F25E-F15D-4103-B9A0-38D958A421E8}" type="datetimeFigureOut">
               <a:rPr lang="en-CA" smtClean="0"/>
-              <a:t>2019-10-01</a:t>
+              <a:t>2019-10-02</a:t>
             </a:fld>
             <a:endParaRPr lang="en-CA"/>
           </a:p>
@@ -1620,7 +1626,7 @@
           <a:p>
             <a:fld id="{DEB4F25E-F15D-4103-B9A0-38D958A421E8}" type="datetimeFigureOut">
               <a:rPr lang="en-CA" smtClean="0"/>
-              <a:t>2019-10-01</a:t>
+              <a:t>2019-10-02</a:t>
             </a:fld>
             <a:endParaRPr lang="en-CA"/>
           </a:p>
@@ -1738,7 +1744,7 @@
           <a:p>
             <a:fld id="{DEB4F25E-F15D-4103-B9A0-38D958A421E8}" type="datetimeFigureOut">
               <a:rPr lang="en-CA" smtClean="0"/>
-              <a:t>2019-10-01</a:t>
+              <a:t>2019-10-02</a:t>
             </a:fld>
             <a:endParaRPr lang="en-CA"/>
           </a:p>
@@ -1833,7 +1839,7 @@
           <a:p>
             <a:fld id="{DEB4F25E-F15D-4103-B9A0-38D958A421E8}" type="datetimeFigureOut">
               <a:rPr lang="en-CA" smtClean="0"/>
-              <a:t>2019-10-01</a:t>
+              <a:t>2019-10-02</a:t>
             </a:fld>
             <a:endParaRPr lang="en-CA"/>
           </a:p>
@@ -2110,7 +2116,7 @@
           <a:p>
             <a:fld id="{DEB4F25E-F15D-4103-B9A0-38D958A421E8}" type="datetimeFigureOut">
               <a:rPr lang="en-CA" smtClean="0"/>
-              <a:t>2019-10-01</a:t>
+              <a:t>2019-10-02</a:t>
             </a:fld>
             <a:endParaRPr lang="en-CA"/>
           </a:p>
@@ -2363,7 +2369,7 @@
           <a:p>
             <a:fld id="{DEB4F25E-F15D-4103-B9A0-38D958A421E8}" type="datetimeFigureOut">
               <a:rPr lang="en-CA" smtClean="0"/>
-              <a:t>2019-10-01</a:t>
+              <a:t>2019-10-02</a:t>
             </a:fld>
             <a:endParaRPr lang="en-CA"/>
           </a:p>
@@ -2576,7 +2582,7 @@
           <a:p>
             <a:fld id="{DEB4F25E-F15D-4103-B9A0-38D958A421E8}" type="datetimeFigureOut">
               <a:rPr lang="en-CA" smtClean="0"/>
-              <a:t>2019-10-01</a:t>
+              <a:t>2019-10-02</a:t>
             </a:fld>
             <a:endParaRPr lang="en-CA"/>
           </a:p>
@@ -3234,9 +3240,329 @@
   <p:timing>
     <p:tnLst>
       <p:par>
-        <p:cTn id="1" dur="indefinite" restart="never" nodeType="tmRoot"/>
+        <p:cTn id="1" dur="indefinite" restart="never" nodeType="tmRoot">
+          <p:childTnLst>
+            <p:seq concurrent="1" nextAc="seek">
+              <p:cTn id="2" dur="indefinite" nodeType="mainSeq">
+                <p:childTnLst>
+                  <p:par>
+                    <p:cTn id="3" fill="hold">
+                      <p:stCondLst>
+                        <p:cond delay="indefinite"/>
+                      </p:stCondLst>
+                      <p:childTnLst>
+                        <p:par>
+                          <p:cTn id="4" fill="hold">
+                            <p:stCondLst>
+                              <p:cond delay="0"/>
+                            </p:stCondLst>
+                            <p:childTnLst>
+                              <p:par>
+                                <p:cTn id="5" presetID="1" presetClass="entr" presetSubtype="0" fill="hold" grpId="0" nodeType="clickEffect">
+                                  <p:stCondLst>
+                                    <p:cond delay="0"/>
+                                  </p:stCondLst>
+                                  <p:childTnLst>
+                                    <p:set>
+                                      <p:cBhvr>
+                                        <p:cTn id="6" dur="1" fill="hold">
+                                          <p:stCondLst>
+                                            <p:cond delay="0"/>
+                                          </p:stCondLst>
+                                        </p:cTn>
+                                        <p:tgtEl>
+                                          <p:spTgt spid="3">
+                                            <p:txEl>
+                                              <p:pRg st="0" end="0"/>
+                                            </p:txEl>
+                                          </p:spTgt>
+                                        </p:tgtEl>
+                                        <p:attrNameLst>
+                                          <p:attrName>style.visibility</p:attrName>
+                                        </p:attrNameLst>
+                                      </p:cBhvr>
+                                      <p:to>
+                                        <p:strVal val="visible"/>
+                                      </p:to>
+                                    </p:set>
+                                  </p:childTnLst>
+                                </p:cTn>
+                              </p:par>
+                            </p:childTnLst>
+                          </p:cTn>
+                        </p:par>
+                      </p:childTnLst>
+                    </p:cTn>
+                  </p:par>
+                  <p:par>
+                    <p:cTn id="7" fill="hold">
+                      <p:stCondLst>
+                        <p:cond delay="indefinite"/>
+                      </p:stCondLst>
+                      <p:childTnLst>
+                        <p:par>
+                          <p:cTn id="8" fill="hold">
+                            <p:stCondLst>
+                              <p:cond delay="0"/>
+                            </p:stCondLst>
+                            <p:childTnLst>
+                              <p:par>
+                                <p:cTn id="9" presetID="1" presetClass="entr" presetSubtype="0" fill="hold" grpId="0" nodeType="clickEffect">
+                                  <p:stCondLst>
+                                    <p:cond delay="0"/>
+                                  </p:stCondLst>
+                                  <p:childTnLst>
+                                    <p:set>
+                                      <p:cBhvr>
+                                        <p:cTn id="10" dur="1" fill="hold">
+                                          <p:stCondLst>
+                                            <p:cond delay="0"/>
+                                          </p:stCondLst>
+                                        </p:cTn>
+                                        <p:tgtEl>
+                                          <p:spTgt spid="3">
+                                            <p:txEl>
+                                              <p:pRg st="1" end="1"/>
+                                            </p:txEl>
+                                          </p:spTgt>
+                                        </p:tgtEl>
+                                        <p:attrNameLst>
+                                          <p:attrName>style.visibility</p:attrName>
+                                        </p:attrNameLst>
+                                      </p:cBhvr>
+                                      <p:to>
+                                        <p:strVal val="visible"/>
+                                      </p:to>
+                                    </p:set>
+                                  </p:childTnLst>
+                                </p:cTn>
+                              </p:par>
+                            </p:childTnLst>
+                          </p:cTn>
+                        </p:par>
+                      </p:childTnLst>
+                    </p:cTn>
+                  </p:par>
+                  <p:par>
+                    <p:cTn id="11" fill="hold">
+                      <p:stCondLst>
+                        <p:cond delay="indefinite"/>
+                      </p:stCondLst>
+                      <p:childTnLst>
+                        <p:par>
+                          <p:cTn id="12" fill="hold">
+                            <p:stCondLst>
+                              <p:cond delay="0"/>
+                            </p:stCondLst>
+                            <p:childTnLst>
+                              <p:par>
+                                <p:cTn id="13" presetID="1" presetClass="entr" presetSubtype="0" fill="hold" grpId="0" nodeType="clickEffect">
+                                  <p:stCondLst>
+                                    <p:cond delay="0"/>
+                                  </p:stCondLst>
+                                  <p:childTnLst>
+                                    <p:set>
+                                      <p:cBhvr>
+                                        <p:cTn id="14" dur="1" fill="hold">
+                                          <p:stCondLst>
+                                            <p:cond delay="0"/>
+                                          </p:stCondLst>
+                                        </p:cTn>
+                                        <p:tgtEl>
+                                          <p:spTgt spid="3">
+                                            <p:txEl>
+                                              <p:pRg st="2" end="2"/>
+                                            </p:txEl>
+                                          </p:spTgt>
+                                        </p:tgtEl>
+                                        <p:attrNameLst>
+                                          <p:attrName>style.visibility</p:attrName>
+                                        </p:attrNameLst>
+                                      </p:cBhvr>
+                                      <p:to>
+                                        <p:strVal val="visible"/>
+                                      </p:to>
+                                    </p:set>
+                                  </p:childTnLst>
+                                </p:cTn>
+                              </p:par>
+                            </p:childTnLst>
+                          </p:cTn>
+                        </p:par>
+                      </p:childTnLst>
+                    </p:cTn>
+                  </p:par>
+                  <p:par>
+                    <p:cTn id="15" fill="hold">
+                      <p:stCondLst>
+                        <p:cond delay="indefinite"/>
+                      </p:stCondLst>
+                      <p:childTnLst>
+                        <p:par>
+                          <p:cTn id="16" fill="hold">
+                            <p:stCondLst>
+                              <p:cond delay="0"/>
+                            </p:stCondLst>
+                            <p:childTnLst>
+                              <p:par>
+                                <p:cTn id="17" presetID="1" presetClass="entr" presetSubtype="0" fill="hold" grpId="0" nodeType="clickEffect">
+                                  <p:stCondLst>
+                                    <p:cond delay="0"/>
+                                  </p:stCondLst>
+                                  <p:childTnLst>
+                                    <p:set>
+                                      <p:cBhvr>
+                                        <p:cTn id="18" dur="1" fill="hold">
+                                          <p:stCondLst>
+                                            <p:cond delay="0"/>
+                                          </p:stCondLst>
+                                        </p:cTn>
+                                        <p:tgtEl>
+                                          <p:spTgt spid="3">
+                                            <p:txEl>
+                                              <p:pRg st="3" end="3"/>
+                                            </p:txEl>
+                                          </p:spTgt>
+                                        </p:tgtEl>
+                                        <p:attrNameLst>
+                                          <p:attrName>style.visibility</p:attrName>
+                                        </p:attrNameLst>
+                                      </p:cBhvr>
+                                      <p:to>
+                                        <p:strVal val="visible"/>
+                                      </p:to>
+                                    </p:set>
+                                  </p:childTnLst>
+                                </p:cTn>
+                              </p:par>
+                            </p:childTnLst>
+                          </p:cTn>
+                        </p:par>
+                      </p:childTnLst>
+                    </p:cTn>
+                  </p:par>
+                  <p:par>
+                    <p:cTn id="19" fill="hold">
+                      <p:stCondLst>
+                        <p:cond delay="indefinite"/>
+                      </p:stCondLst>
+                      <p:childTnLst>
+                        <p:par>
+                          <p:cTn id="20" fill="hold">
+                            <p:stCondLst>
+                              <p:cond delay="0"/>
+                            </p:stCondLst>
+                            <p:childTnLst>
+                              <p:par>
+                                <p:cTn id="21" presetID="1" presetClass="entr" presetSubtype="0" fill="hold" grpId="0" nodeType="clickEffect">
+                                  <p:stCondLst>
+                                    <p:cond delay="0"/>
+                                  </p:stCondLst>
+                                  <p:childTnLst>
+                                    <p:set>
+                                      <p:cBhvr>
+                                        <p:cTn id="22" dur="1" fill="hold">
+                                          <p:stCondLst>
+                                            <p:cond delay="0"/>
+                                          </p:stCondLst>
+                                        </p:cTn>
+                                        <p:tgtEl>
+                                          <p:spTgt spid="3">
+                                            <p:txEl>
+                                              <p:pRg st="4" end="4"/>
+                                            </p:txEl>
+                                          </p:spTgt>
+                                        </p:tgtEl>
+                                        <p:attrNameLst>
+                                          <p:attrName>style.visibility</p:attrName>
+                                        </p:attrNameLst>
+                                      </p:cBhvr>
+                                      <p:to>
+                                        <p:strVal val="visible"/>
+                                      </p:to>
+                                    </p:set>
+                                  </p:childTnLst>
+                                </p:cTn>
+                              </p:par>
+                            </p:childTnLst>
+                          </p:cTn>
+                        </p:par>
+                      </p:childTnLst>
+                    </p:cTn>
+                  </p:par>
+                  <p:par>
+                    <p:cTn id="23" fill="hold">
+                      <p:stCondLst>
+                        <p:cond delay="indefinite"/>
+                      </p:stCondLst>
+                      <p:childTnLst>
+                        <p:par>
+                          <p:cTn id="24" fill="hold">
+                            <p:stCondLst>
+                              <p:cond delay="0"/>
+                            </p:stCondLst>
+                            <p:childTnLst>
+                              <p:par>
+                                <p:cTn id="25" presetID="1" presetClass="entr" presetSubtype="0" fill="hold" grpId="0" nodeType="clickEffect">
+                                  <p:stCondLst>
+                                    <p:cond delay="0"/>
+                                  </p:stCondLst>
+                                  <p:childTnLst>
+                                    <p:set>
+                                      <p:cBhvr>
+                                        <p:cTn id="26" dur="1" fill="hold">
+                                          <p:stCondLst>
+                                            <p:cond delay="0"/>
+                                          </p:stCondLst>
+                                        </p:cTn>
+                                        <p:tgtEl>
+                                          <p:spTgt spid="3">
+                                            <p:txEl>
+                                              <p:pRg st="5" end="5"/>
+                                            </p:txEl>
+                                          </p:spTgt>
+                                        </p:tgtEl>
+                                        <p:attrNameLst>
+                                          <p:attrName>style.visibility</p:attrName>
+                                        </p:attrNameLst>
+                                      </p:cBhvr>
+                                      <p:to>
+                                        <p:strVal val="visible"/>
+                                      </p:to>
+                                    </p:set>
+                                  </p:childTnLst>
+                                </p:cTn>
+                              </p:par>
+                            </p:childTnLst>
+                          </p:cTn>
+                        </p:par>
+                      </p:childTnLst>
+                    </p:cTn>
+                  </p:par>
+                </p:childTnLst>
+              </p:cTn>
+              <p:prevCondLst>
+                <p:cond evt="onPrev" delay="0">
+                  <p:tgtEl>
+                    <p:sldTgt/>
+                  </p:tgtEl>
+                </p:cond>
+              </p:prevCondLst>
+              <p:nextCondLst>
+                <p:cond evt="onNext" delay="0">
+                  <p:tgtEl>
+                    <p:sldTgt/>
+                  </p:tgtEl>
+                </p:cond>
+              </p:nextCondLst>
+            </p:seq>
+          </p:childTnLst>
+        </p:cTn>
       </p:par>
     </p:tnLst>
+    <p:bldLst>
+      <p:bldP spid="3" grpId="0" build="p"/>
+    </p:bldLst>
   </p:timing>
 </p:sld>
 </file>
@@ -3443,9 +3769,374 @@
   <p:timing>
     <p:tnLst>
       <p:par>
-        <p:cTn id="1" dur="indefinite" restart="never" nodeType="tmRoot"/>
+        <p:cTn id="1" dur="indefinite" restart="never" nodeType="tmRoot">
+          <p:childTnLst>
+            <p:seq concurrent="1" nextAc="seek">
+              <p:cTn id="2" dur="indefinite" nodeType="mainSeq">
+                <p:childTnLst>
+                  <p:par>
+                    <p:cTn id="3" fill="hold">
+                      <p:stCondLst>
+                        <p:cond delay="indefinite"/>
+                      </p:stCondLst>
+                      <p:childTnLst>
+                        <p:par>
+                          <p:cTn id="4" fill="hold">
+                            <p:stCondLst>
+                              <p:cond delay="0"/>
+                            </p:stCondLst>
+                            <p:childTnLst>
+                              <p:par>
+                                <p:cTn id="5" presetID="1" presetClass="entr" presetSubtype="0" fill="hold" grpId="0" nodeType="clickEffect">
+                                  <p:stCondLst>
+                                    <p:cond delay="0"/>
+                                  </p:stCondLst>
+                                  <p:childTnLst>
+                                    <p:set>
+                                      <p:cBhvr>
+                                        <p:cTn id="6" dur="1" fill="hold">
+                                          <p:stCondLst>
+                                            <p:cond delay="0"/>
+                                          </p:stCondLst>
+                                        </p:cTn>
+                                        <p:tgtEl>
+                                          <p:spTgt spid="3">
+                                            <p:txEl>
+                                              <p:pRg st="0" end="0"/>
+                                            </p:txEl>
+                                          </p:spTgt>
+                                        </p:tgtEl>
+                                        <p:attrNameLst>
+                                          <p:attrName>style.visibility</p:attrName>
+                                        </p:attrNameLst>
+                                      </p:cBhvr>
+                                      <p:to>
+                                        <p:strVal val="visible"/>
+                                      </p:to>
+                                    </p:set>
+                                  </p:childTnLst>
+                                </p:cTn>
+                              </p:par>
+                            </p:childTnLst>
+                          </p:cTn>
+                        </p:par>
+                      </p:childTnLst>
+                    </p:cTn>
+                  </p:par>
+                  <p:par>
+                    <p:cTn id="7" fill="hold">
+                      <p:stCondLst>
+                        <p:cond delay="indefinite"/>
+                      </p:stCondLst>
+                      <p:childTnLst>
+                        <p:par>
+                          <p:cTn id="8" fill="hold">
+                            <p:stCondLst>
+                              <p:cond delay="0"/>
+                            </p:stCondLst>
+                            <p:childTnLst>
+                              <p:par>
+                                <p:cTn id="9" presetID="1" presetClass="entr" presetSubtype="0" fill="hold" grpId="0" nodeType="clickEffect">
+                                  <p:stCondLst>
+                                    <p:cond delay="0"/>
+                                  </p:stCondLst>
+                                  <p:childTnLst>
+                                    <p:set>
+                                      <p:cBhvr>
+                                        <p:cTn id="10" dur="1" fill="hold">
+                                          <p:stCondLst>
+                                            <p:cond delay="0"/>
+                                          </p:stCondLst>
+                                        </p:cTn>
+                                        <p:tgtEl>
+                                          <p:spTgt spid="3">
+                                            <p:txEl>
+                                              <p:pRg st="1" end="1"/>
+                                            </p:txEl>
+                                          </p:spTgt>
+                                        </p:tgtEl>
+                                        <p:attrNameLst>
+                                          <p:attrName>style.visibility</p:attrName>
+                                        </p:attrNameLst>
+                                      </p:cBhvr>
+                                      <p:to>
+                                        <p:strVal val="visible"/>
+                                      </p:to>
+                                    </p:set>
+                                  </p:childTnLst>
+                                </p:cTn>
+                              </p:par>
+                            </p:childTnLst>
+                          </p:cTn>
+                        </p:par>
+                      </p:childTnLst>
+                    </p:cTn>
+                  </p:par>
+                  <p:par>
+                    <p:cTn id="11" fill="hold">
+                      <p:stCondLst>
+                        <p:cond delay="indefinite"/>
+                      </p:stCondLst>
+                      <p:childTnLst>
+                        <p:par>
+                          <p:cTn id="12" fill="hold">
+                            <p:stCondLst>
+                              <p:cond delay="0"/>
+                            </p:stCondLst>
+                            <p:childTnLst>
+                              <p:par>
+                                <p:cTn id="13" presetID="1" presetClass="entr" presetSubtype="0" fill="hold" nodeType="clickEffect">
+                                  <p:stCondLst>
+                                    <p:cond delay="0"/>
+                                  </p:stCondLst>
+                                  <p:childTnLst>
+                                    <p:set>
+                                      <p:cBhvr>
+                                        <p:cTn id="14" dur="1" fill="hold">
+                                          <p:stCondLst>
+                                            <p:cond delay="0"/>
+                                          </p:stCondLst>
+                                        </p:cTn>
+                                        <p:tgtEl>
+                                          <p:spTgt spid="4"/>
+                                        </p:tgtEl>
+                                        <p:attrNameLst>
+                                          <p:attrName>style.visibility</p:attrName>
+                                        </p:attrNameLst>
+                                      </p:cBhvr>
+                                      <p:to>
+                                        <p:strVal val="visible"/>
+                                      </p:to>
+                                    </p:set>
+                                  </p:childTnLst>
+                                </p:cTn>
+                              </p:par>
+                            </p:childTnLst>
+                          </p:cTn>
+                        </p:par>
+                      </p:childTnLst>
+                    </p:cTn>
+                  </p:par>
+                  <p:par>
+                    <p:cTn id="15" fill="hold">
+                      <p:stCondLst>
+                        <p:cond delay="indefinite"/>
+                      </p:stCondLst>
+                      <p:childTnLst>
+                        <p:par>
+                          <p:cTn id="16" fill="hold">
+                            <p:stCondLst>
+                              <p:cond delay="0"/>
+                            </p:stCondLst>
+                            <p:childTnLst>
+                              <p:par>
+                                <p:cTn id="17" presetID="1" presetClass="entr" presetSubtype="0" fill="hold" grpId="0" nodeType="clickEffect">
+                                  <p:stCondLst>
+                                    <p:cond delay="0"/>
+                                  </p:stCondLst>
+                                  <p:childTnLst>
+                                    <p:set>
+                                      <p:cBhvr>
+                                        <p:cTn id="18" dur="1" fill="hold">
+                                          <p:stCondLst>
+                                            <p:cond delay="0"/>
+                                          </p:stCondLst>
+                                        </p:cTn>
+                                        <p:tgtEl>
+                                          <p:spTgt spid="3">
+                                            <p:txEl>
+                                              <p:pRg st="2" end="2"/>
+                                            </p:txEl>
+                                          </p:spTgt>
+                                        </p:tgtEl>
+                                        <p:attrNameLst>
+                                          <p:attrName>style.visibility</p:attrName>
+                                        </p:attrNameLst>
+                                      </p:cBhvr>
+                                      <p:to>
+                                        <p:strVal val="visible"/>
+                                      </p:to>
+                                    </p:set>
+                                  </p:childTnLst>
+                                </p:cTn>
+                              </p:par>
+                            </p:childTnLst>
+                          </p:cTn>
+                        </p:par>
+                      </p:childTnLst>
+                    </p:cTn>
+                  </p:par>
+                  <p:par>
+                    <p:cTn id="19" fill="hold">
+                      <p:stCondLst>
+                        <p:cond delay="indefinite"/>
+                      </p:stCondLst>
+                      <p:childTnLst>
+                        <p:par>
+                          <p:cTn id="20" fill="hold">
+                            <p:stCondLst>
+                              <p:cond delay="0"/>
+                            </p:stCondLst>
+                            <p:childTnLst>
+                              <p:par>
+                                <p:cTn id="21" presetID="1" presetClass="entr" presetSubtype="0" fill="hold" grpId="0" nodeType="clickEffect">
+                                  <p:stCondLst>
+                                    <p:cond delay="0"/>
+                                  </p:stCondLst>
+                                  <p:childTnLst>
+                                    <p:set>
+                                      <p:cBhvr>
+                                        <p:cTn id="22" dur="1" fill="hold">
+                                          <p:stCondLst>
+                                            <p:cond delay="0"/>
+                                          </p:stCondLst>
+                                        </p:cTn>
+                                        <p:tgtEl>
+                                          <p:spTgt spid="3">
+                                            <p:txEl>
+                                              <p:pRg st="3" end="3"/>
+                                            </p:txEl>
+                                          </p:spTgt>
+                                        </p:tgtEl>
+                                        <p:attrNameLst>
+                                          <p:attrName>style.visibility</p:attrName>
+                                        </p:attrNameLst>
+                                      </p:cBhvr>
+                                      <p:to>
+                                        <p:strVal val="visible"/>
+                                      </p:to>
+                                    </p:set>
+                                  </p:childTnLst>
+                                </p:cTn>
+                              </p:par>
+                            </p:childTnLst>
+                          </p:cTn>
+                        </p:par>
+                      </p:childTnLst>
+                    </p:cTn>
+                  </p:par>
+                  <p:par>
+                    <p:cTn id="23" fill="hold">
+                      <p:stCondLst>
+                        <p:cond delay="indefinite"/>
+                      </p:stCondLst>
+                      <p:childTnLst>
+                        <p:par>
+                          <p:cTn id="24" fill="hold">
+                            <p:stCondLst>
+                              <p:cond delay="0"/>
+                            </p:stCondLst>
+                            <p:childTnLst>
+                              <p:par>
+                                <p:cTn id="25" presetID="1" presetClass="entr" presetSubtype="0" fill="hold" grpId="0" nodeType="clickEffect">
+                                  <p:stCondLst>
+                                    <p:cond delay="0"/>
+                                  </p:stCondLst>
+                                  <p:childTnLst>
+                                    <p:set>
+                                      <p:cBhvr>
+                                        <p:cTn id="26" dur="1" fill="hold">
+                                          <p:stCondLst>
+                                            <p:cond delay="0"/>
+                                          </p:stCondLst>
+                                        </p:cTn>
+                                        <p:tgtEl>
+                                          <p:spTgt spid="3">
+                                            <p:txEl>
+                                              <p:pRg st="4" end="4"/>
+                                            </p:txEl>
+                                          </p:spTgt>
+                                        </p:tgtEl>
+                                        <p:attrNameLst>
+                                          <p:attrName>style.visibility</p:attrName>
+                                        </p:attrNameLst>
+                                      </p:cBhvr>
+                                      <p:to>
+                                        <p:strVal val="visible"/>
+                                      </p:to>
+                                    </p:set>
+                                  </p:childTnLst>
+                                </p:cTn>
+                              </p:par>
+                            </p:childTnLst>
+                          </p:cTn>
+                        </p:par>
+                      </p:childTnLst>
+                    </p:cTn>
+                  </p:par>
+                  <p:par>
+                    <p:cTn id="27" fill="hold">
+                      <p:stCondLst>
+                        <p:cond delay="indefinite"/>
+                      </p:stCondLst>
+                      <p:childTnLst>
+                        <p:par>
+                          <p:cTn id="28" fill="hold">
+                            <p:stCondLst>
+                              <p:cond delay="0"/>
+                            </p:stCondLst>
+                            <p:childTnLst>
+                              <p:par>
+                                <p:cTn id="29" presetID="1" presetClass="entr" presetSubtype="0" fill="hold" grpId="0" nodeType="clickEffect">
+                                  <p:stCondLst>
+                                    <p:cond delay="0"/>
+                                  </p:stCondLst>
+                                  <p:childTnLst>
+                                    <p:set>
+                                      <p:cBhvr>
+                                        <p:cTn id="30" dur="1" fill="hold">
+                                          <p:stCondLst>
+                                            <p:cond delay="0"/>
+                                          </p:stCondLst>
+                                        </p:cTn>
+                                        <p:tgtEl>
+                                          <p:spTgt spid="3">
+                                            <p:txEl>
+                                              <p:pRg st="5" end="5"/>
+                                            </p:txEl>
+                                          </p:spTgt>
+                                        </p:tgtEl>
+                                        <p:attrNameLst>
+                                          <p:attrName>style.visibility</p:attrName>
+                                        </p:attrNameLst>
+                                      </p:cBhvr>
+                                      <p:to>
+                                        <p:strVal val="visible"/>
+                                      </p:to>
+                                    </p:set>
+                                  </p:childTnLst>
+                                </p:cTn>
+                              </p:par>
+                            </p:childTnLst>
+                          </p:cTn>
+                        </p:par>
+                      </p:childTnLst>
+                    </p:cTn>
+                  </p:par>
+                </p:childTnLst>
+              </p:cTn>
+              <p:prevCondLst>
+                <p:cond evt="onPrev" delay="0">
+                  <p:tgtEl>
+                    <p:sldTgt/>
+                  </p:tgtEl>
+                </p:cond>
+              </p:prevCondLst>
+              <p:nextCondLst>
+                <p:cond evt="onNext" delay="0">
+                  <p:tgtEl>
+                    <p:sldTgt/>
+                  </p:tgtEl>
+                </p:cond>
+              </p:nextCondLst>
+            </p:seq>
+          </p:childTnLst>
+        </p:cTn>
       </p:par>
     </p:tnLst>
+    <p:bldLst>
+      <p:bldP spid="3" grpId="0" uiExpand="1" build="p"/>
+    </p:bldLst>
   </p:timing>
 </p:sld>
 </file>
@@ -3951,9 +4642,228 @@
   <p:timing>
     <p:tnLst>
       <p:par>
-        <p:cTn id="1" dur="indefinite" restart="never" nodeType="tmRoot"/>
+        <p:cTn id="1" dur="indefinite" restart="never" nodeType="tmRoot">
+          <p:childTnLst>
+            <p:seq concurrent="1" nextAc="seek">
+              <p:cTn id="2" dur="indefinite" nodeType="mainSeq">
+                <p:childTnLst>
+                  <p:par>
+                    <p:cTn id="3" fill="hold">
+                      <p:stCondLst>
+                        <p:cond delay="indefinite"/>
+                      </p:stCondLst>
+                      <p:childTnLst>
+                        <p:par>
+                          <p:cTn id="4" fill="hold">
+                            <p:stCondLst>
+                              <p:cond delay="0"/>
+                            </p:stCondLst>
+                            <p:childTnLst>
+                              <p:par>
+                                <p:cTn id="5" presetID="1" presetClass="entr" presetSubtype="0" fill="hold" grpId="0" nodeType="clickEffect">
+                                  <p:stCondLst>
+                                    <p:cond delay="0"/>
+                                  </p:stCondLst>
+                                  <p:childTnLst>
+                                    <p:set>
+                                      <p:cBhvr>
+                                        <p:cTn id="6" dur="1" fill="hold">
+                                          <p:stCondLst>
+                                            <p:cond delay="0"/>
+                                          </p:stCondLst>
+                                        </p:cTn>
+                                        <p:tgtEl>
+                                          <p:spTgt spid="3">
+                                            <p:txEl>
+                                              <p:pRg st="0" end="0"/>
+                                            </p:txEl>
+                                          </p:spTgt>
+                                        </p:tgtEl>
+                                        <p:attrNameLst>
+                                          <p:attrName>style.visibility</p:attrName>
+                                        </p:attrNameLst>
+                                      </p:cBhvr>
+                                      <p:to>
+                                        <p:strVal val="visible"/>
+                                      </p:to>
+                                    </p:set>
+                                  </p:childTnLst>
+                                </p:cTn>
+                              </p:par>
+                            </p:childTnLst>
+                          </p:cTn>
+                        </p:par>
+                      </p:childTnLst>
+                    </p:cTn>
+                  </p:par>
+                  <p:par>
+                    <p:cTn id="7" fill="hold">
+                      <p:stCondLst>
+                        <p:cond delay="indefinite"/>
+                      </p:stCondLst>
+                      <p:childTnLst>
+                        <p:par>
+                          <p:cTn id="8" fill="hold">
+                            <p:stCondLst>
+                              <p:cond delay="0"/>
+                            </p:stCondLst>
+                            <p:childTnLst>
+                              <p:par>
+                                <p:cTn id="9" presetID="1" presetClass="entr" presetSubtype="0" fill="hold" grpId="0" nodeType="clickEffect">
+                                  <p:stCondLst>
+                                    <p:cond delay="0"/>
+                                  </p:stCondLst>
+                                  <p:childTnLst>
+                                    <p:set>
+                                      <p:cBhvr>
+                                        <p:cTn id="10" dur="1" fill="hold">
+                                          <p:stCondLst>
+                                            <p:cond delay="0"/>
+                                          </p:stCondLst>
+                                        </p:cTn>
+                                        <p:tgtEl>
+                                          <p:spTgt spid="3">
+                                            <p:txEl>
+                                              <p:pRg st="1" end="1"/>
+                                            </p:txEl>
+                                          </p:spTgt>
+                                        </p:tgtEl>
+                                        <p:attrNameLst>
+                                          <p:attrName>style.visibility</p:attrName>
+                                        </p:attrNameLst>
+                                      </p:cBhvr>
+                                      <p:to>
+                                        <p:strVal val="visible"/>
+                                      </p:to>
+                                    </p:set>
+                                  </p:childTnLst>
+                                </p:cTn>
+                              </p:par>
+                            </p:childTnLst>
+                          </p:cTn>
+                        </p:par>
+                      </p:childTnLst>
+                    </p:cTn>
+                  </p:par>
+                  <p:par>
+                    <p:cTn id="11" fill="hold">
+                      <p:stCondLst>
+                        <p:cond delay="indefinite"/>
+                      </p:stCondLst>
+                      <p:childTnLst>
+                        <p:par>
+                          <p:cTn id="12" fill="hold">
+                            <p:stCondLst>
+                              <p:cond delay="0"/>
+                            </p:stCondLst>
+                            <p:childTnLst>
+                              <p:par>
+                                <p:cTn id="13" presetID="1" presetClass="entr" presetSubtype="0" fill="hold" grpId="0" nodeType="clickEffect">
+                                  <p:stCondLst>
+                                    <p:cond delay="0"/>
+                                  </p:stCondLst>
+                                  <p:childTnLst>
+                                    <p:set>
+                                      <p:cBhvr>
+                                        <p:cTn id="14" dur="1" fill="hold">
+                                          <p:stCondLst>
+                                            <p:cond delay="0"/>
+                                          </p:stCondLst>
+                                        </p:cTn>
+                                        <p:tgtEl>
+                                          <p:spTgt spid="4"/>
+                                        </p:tgtEl>
+                                        <p:attrNameLst>
+                                          <p:attrName>style.visibility</p:attrName>
+                                        </p:attrNameLst>
+                                      </p:cBhvr>
+                                      <p:to>
+                                        <p:strVal val="visible"/>
+                                      </p:to>
+                                    </p:set>
+                                  </p:childTnLst>
+                                </p:cTn>
+                              </p:par>
+                            </p:childTnLst>
+                          </p:cTn>
+                        </p:par>
+                      </p:childTnLst>
+                    </p:cTn>
+                  </p:par>
+                  <p:par>
+                    <p:cTn id="15" fill="hold">
+                      <p:stCondLst>
+                        <p:cond delay="indefinite"/>
+                      </p:stCondLst>
+                      <p:childTnLst>
+                        <p:par>
+                          <p:cTn id="16" fill="hold">
+                            <p:stCondLst>
+                              <p:cond delay="0"/>
+                            </p:stCondLst>
+                            <p:childTnLst>
+                              <p:par>
+                                <p:cTn id="17" presetID="1" presetClass="entr" presetSubtype="0" fill="hold" grpId="0" nodeType="clickEffect">
+                                  <p:stCondLst>
+                                    <p:cond delay="0"/>
+                                  </p:stCondLst>
+                                  <p:childTnLst>
+                                    <p:set>
+                                      <p:cBhvr>
+                                        <p:cTn id="18" dur="1" fill="hold">
+                                          <p:stCondLst>
+                                            <p:cond delay="0"/>
+                                          </p:stCondLst>
+                                        </p:cTn>
+                                        <p:tgtEl>
+                                          <p:spTgt spid="3">
+                                            <p:txEl>
+                                              <p:pRg st="4" end="4"/>
+                                            </p:txEl>
+                                          </p:spTgt>
+                                        </p:tgtEl>
+                                        <p:attrNameLst>
+                                          <p:attrName>style.visibility</p:attrName>
+                                        </p:attrNameLst>
+                                      </p:cBhvr>
+                                      <p:to>
+                                        <p:strVal val="visible"/>
+                                      </p:to>
+                                    </p:set>
+                                  </p:childTnLst>
+                                </p:cTn>
+                              </p:par>
+                            </p:childTnLst>
+                          </p:cTn>
+                        </p:par>
+                      </p:childTnLst>
+                    </p:cTn>
+                  </p:par>
+                </p:childTnLst>
+              </p:cTn>
+              <p:prevCondLst>
+                <p:cond evt="onPrev" delay="0">
+                  <p:tgtEl>
+                    <p:sldTgt/>
+                  </p:tgtEl>
+                </p:cond>
+              </p:prevCondLst>
+              <p:nextCondLst>
+                <p:cond evt="onNext" delay="0">
+                  <p:tgtEl>
+                    <p:sldTgt/>
+                  </p:tgtEl>
+                </p:cond>
+              </p:nextCondLst>
+            </p:seq>
+          </p:childTnLst>
+        </p:cTn>
       </p:par>
     </p:tnLst>
+    <p:bldLst>
+      <p:bldP spid="3" grpId="0" uiExpand="1" build="p"/>
+      <p:bldP spid="4" grpId="0" animBg="1"/>
+    </p:bldLst>
   </p:timing>
 </p:sld>
 </file>
@@ -4108,9 +5018,182 @@
   <p:timing>
     <p:tnLst>
       <p:par>
-        <p:cTn id="1" dur="indefinite" restart="never" nodeType="tmRoot"/>
+        <p:cTn id="1" dur="indefinite" restart="never" nodeType="tmRoot">
+          <p:childTnLst>
+            <p:seq concurrent="1" nextAc="seek">
+              <p:cTn id="2" dur="indefinite" nodeType="mainSeq">
+                <p:childTnLst>
+                  <p:par>
+                    <p:cTn id="3" fill="hold">
+                      <p:stCondLst>
+                        <p:cond delay="indefinite"/>
+                      </p:stCondLst>
+                      <p:childTnLst>
+                        <p:par>
+                          <p:cTn id="4" fill="hold">
+                            <p:stCondLst>
+                              <p:cond delay="0"/>
+                            </p:stCondLst>
+                            <p:childTnLst>
+                              <p:par>
+                                <p:cTn id="5" presetID="1" presetClass="entr" presetSubtype="0" fill="hold" grpId="0" nodeType="clickEffect">
+                                  <p:stCondLst>
+                                    <p:cond delay="0"/>
+                                  </p:stCondLst>
+                                  <p:childTnLst>
+                                    <p:set>
+                                      <p:cBhvr>
+                                        <p:cTn id="6" dur="1" fill="hold">
+                                          <p:stCondLst>
+                                            <p:cond delay="0"/>
+                                          </p:stCondLst>
+                                        </p:cTn>
+                                        <p:tgtEl>
+                                          <p:spTgt spid="3">
+                                            <p:txEl>
+                                              <p:pRg st="0" end="0"/>
+                                            </p:txEl>
+                                          </p:spTgt>
+                                        </p:tgtEl>
+                                        <p:attrNameLst>
+                                          <p:attrName>style.visibility</p:attrName>
+                                        </p:attrNameLst>
+                                      </p:cBhvr>
+                                      <p:to>
+                                        <p:strVal val="visible"/>
+                                      </p:to>
+                                    </p:set>
+                                  </p:childTnLst>
+                                </p:cTn>
+                              </p:par>
+                            </p:childTnLst>
+                          </p:cTn>
+                        </p:par>
+                      </p:childTnLst>
+                    </p:cTn>
+                  </p:par>
+                  <p:par>
+                    <p:cTn id="7" fill="hold">
+                      <p:stCondLst>
+                        <p:cond delay="indefinite"/>
+                      </p:stCondLst>
+                      <p:childTnLst>
+                        <p:par>
+                          <p:cTn id="8" fill="hold">
+                            <p:stCondLst>
+                              <p:cond delay="0"/>
+                            </p:stCondLst>
+                            <p:childTnLst>
+                              <p:par>
+                                <p:cTn id="9" presetID="1" presetClass="entr" presetSubtype="0" fill="hold" grpId="0" nodeType="clickEffect">
+                                  <p:stCondLst>
+                                    <p:cond delay="0"/>
+                                  </p:stCondLst>
+                                  <p:childTnLst>
+                                    <p:set>
+                                      <p:cBhvr>
+                                        <p:cTn id="10" dur="1" fill="hold">
+                                          <p:stCondLst>
+                                            <p:cond delay="0"/>
+                                          </p:stCondLst>
+                                        </p:cTn>
+                                        <p:tgtEl>
+                                          <p:spTgt spid="3">
+                                            <p:txEl>
+                                              <p:pRg st="1" end="1"/>
+                                            </p:txEl>
+                                          </p:spTgt>
+                                        </p:tgtEl>
+                                        <p:attrNameLst>
+                                          <p:attrName>style.visibility</p:attrName>
+                                        </p:attrNameLst>
+                                      </p:cBhvr>
+                                      <p:to>
+                                        <p:strVal val="visible"/>
+                                      </p:to>
+                                    </p:set>
+                                  </p:childTnLst>
+                                </p:cTn>
+                              </p:par>
+                            </p:childTnLst>
+                          </p:cTn>
+                        </p:par>
+                      </p:childTnLst>
+                    </p:cTn>
+                  </p:par>
+                  <p:par>
+                    <p:cTn id="11" fill="hold">
+                      <p:stCondLst>
+                        <p:cond delay="indefinite"/>
+                      </p:stCondLst>
+                      <p:childTnLst>
+                        <p:par>
+                          <p:cTn id="12" fill="hold">
+                            <p:stCondLst>
+                              <p:cond delay="0"/>
+                            </p:stCondLst>
+                            <p:childTnLst>
+                              <p:par>
+                                <p:cTn id="13" presetID="1" presetClass="entr" presetSubtype="0" fill="hold" grpId="0" nodeType="clickEffect">
+                                  <p:stCondLst>
+                                    <p:cond delay="0"/>
+                                  </p:stCondLst>
+                                  <p:childTnLst>
+                                    <p:set>
+                                      <p:cBhvr>
+                                        <p:cTn id="14" dur="1" fill="hold">
+                                          <p:stCondLst>
+                                            <p:cond delay="0"/>
+                                          </p:stCondLst>
+                                        </p:cTn>
+                                        <p:tgtEl>
+                                          <p:spTgt spid="3">
+                                            <p:txEl>
+                                              <p:pRg st="2" end="2"/>
+                                            </p:txEl>
+                                          </p:spTgt>
+                                        </p:tgtEl>
+                                        <p:attrNameLst>
+                                          <p:attrName>style.visibility</p:attrName>
+                                        </p:attrNameLst>
+                                      </p:cBhvr>
+                                      <p:to>
+                                        <p:strVal val="visible"/>
+                                      </p:to>
+                                    </p:set>
+                                  </p:childTnLst>
+                                </p:cTn>
+                              </p:par>
+                            </p:childTnLst>
+                          </p:cTn>
+                        </p:par>
+                      </p:childTnLst>
+                    </p:cTn>
+                  </p:par>
+                </p:childTnLst>
+              </p:cTn>
+              <p:prevCondLst>
+                <p:cond evt="onPrev" delay="0">
+                  <p:tgtEl>
+                    <p:sldTgt/>
+                  </p:tgtEl>
+                </p:cond>
+              </p:prevCondLst>
+              <p:nextCondLst>
+                <p:cond evt="onNext" delay="0">
+                  <p:tgtEl>
+                    <p:sldTgt/>
+                  </p:tgtEl>
+                </p:cond>
+              </p:nextCondLst>
+            </p:seq>
+          </p:childTnLst>
+        </p:cTn>
       </p:par>
     </p:tnLst>
+    <p:bldLst>
+      <p:bldP spid="3" grpId="0" build="p"/>
+    </p:bldLst>
   </p:timing>
 </p:sld>
 </file>
@@ -6881,9 +7964,179 @@
   <p:timing>
     <p:tnLst>
       <p:par>
-        <p:cTn id="1" dur="indefinite" restart="never" nodeType="tmRoot"/>
+        <p:cTn id="1" dur="indefinite" restart="never" nodeType="tmRoot">
+          <p:childTnLst>
+            <p:seq concurrent="1" nextAc="seek">
+              <p:cTn id="2" dur="indefinite" nodeType="mainSeq">
+                <p:childTnLst>
+                  <p:par>
+                    <p:cTn id="3" fill="hold">
+                      <p:stCondLst>
+                        <p:cond delay="indefinite"/>
+                      </p:stCondLst>
+                      <p:childTnLst>
+                        <p:par>
+                          <p:cTn id="4" fill="hold">
+                            <p:stCondLst>
+                              <p:cond delay="0"/>
+                            </p:stCondLst>
+                            <p:childTnLst>
+                              <p:par>
+                                <p:cTn id="5" presetID="1" presetClass="entr" presetSubtype="0" fill="hold" grpId="0" nodeType="clickEffect">
+                                  <p:stCondLst>
+                                    <p:cond delay="0"/>
+                                  </p:stCondLst>
+                                  <p:childTnLst>
+                                    <p:set>
+                                      <p:cBhvr>
+                                        <p:cTn id="6" dur="1" fill="hold">
+                                          <p:stCondLst>
+                                            <p:cond delay="0"/>
+                                          </p:stCondLst>
+                                        </p:cTn>
+                                        <p:tgtEl>
+                                          <p:spTgt spid="3">
+                                            <p:txEl>
+                                              <p:pRg st="0" end="0"/>
+                                            </p:txEl>
+                                          </p:spTgt>
+                                        </p:tgtEl>
+                                        <p:attrNameLst>
+                                          <p:attrName>style.visibility</p:attrName>
+                                        </p:attrNameLst>
+                                      </p:cBhvr>
+                                      <p:to>
+                                        <p:strVal val="visible"/>
+                                      </p:to>
+                                    </p:set>
+                                  </p:childTnLst>
+                                </p:cTn>
+                              </p:par>
+                            </p:childTnLst>
+                          </p:cTn>
+                        </p:par>
+                      </p:childTnLst>
+                    </p:cTn>
+                  </p:par>
+                  <p:par>
+                    <p:cTn id="7" fill="hold">
+                      <p:stCondLst>
+                        <p:cond delay="indefinite"/>
+                      </p:stCondLst>
+                      <p:childTnLst>
+                        <p:par>
+                          <p:cTn id="8" fill="hold">
+                            <p:stCondLst>
+                              <p:cond delay="0"/>
+                            </p:stCondLst>
+                            <p:childTnLst>
+                              <p:par>
+                                <p:cTn id="9" presetID="1" presetClass="entr" presetSubtype="0" fill="hold" grpId="0" nodeType="clickEffect">
+                                  <p:stCondLst>
+                                    <p:cond delay="0"/>
+                                  </p:stCondLst>
+                                  <p:childTnLst>
+                                    <p:set>
+                                      <p:cBhvr>
+                                        <p:cTn id="10" dur="1" fill="hold">
+                                          <p:stCondLst>
+                                            <p:cond delay="0"/>
+                                          </p:stCondLst>
+                                        </p:cTn>
+                                        <p:tgtEl>
+                                          <p:spTgt spid="3">
+                                            <p:txEl>
+                                              <p:pRg st="1" end="1"/>
+                                            </p:txEl>
+                                          </p:spTgt>
+                                        </p:tgtEl>
+                                        <p:attrNameLst>
+                                          <p:attrName>style.visibility</p:attrName>
+                                        </p:attrNameLst>
+                                      </p:cBhvr>
+                                      <p:to>
+                                        <p:strVal val="visible"/>
+                                      </p:to>
+                                    </p:set>
+                                  </p:childTnLst>
+                                </p:cTn>
+                              </p:par>
+                            </p:childTnLst>
+                          </p:cTn>
+                        </p:par>
+                      </p:childTnLst>
+                    </p:cTn>
+                  </p:par>
+                  <p:par>
+                    <p:cTn id="11" fill="hold">
+                      <p:stCondLst>
+                        <p:cond delay="indefinite"/>
+                      </p:stCondLst>
+                      <p:childTnLst>
+                        <p:par>
+                          <p:cTn id="12" fill="hold">
+                            <p:stCondLst>
+                              <p:cond delay="0"/>
+                            </p:stCondLst>
+                            <p:childTnLst>
+                              <p:par>
+                                <p:cTn id="13" presetID="1" presetClass="entr" presetSubtype="0" fill="hold" grpId="0" nodeType="clickEffect">
+                                  <p:stCondLst>
+                                    <p:cond delay="0"/>
+                                  </p:stCondLst>
+                                  <p:childTnLst>
+                                    <p:set>
+                                      <p:cBhvr>
+                                        <p:cTn id="14" dur="1" fill="hold">
+                                          <p:stCondLst>
+                                            <p:cond delay="0"/>
+                                          </p:stCondLst>
+                                        </p:cTn>
+                                        <p:tgtEl>
+                                          <p:spTgt spid="4"/>
+                                        </p:tgtEl>
+                                        <p:attrNameLst>
+                                          <p:attrName>style.visibility</p:attrName>
+                                        </p:attrNameLst>
+                                      </p:cBhvr>
+                                      <p:to>
+                                        <p:strVal val="visible"/>
+                                      </p:to>
+                                    </p:set>
+                                  </p:childTnLst>
+                                </p:cTn>
+                              </p:par>
+                            </p:childTnLst>
+                          </p:cTn>
+                        </p:par>
+                      </p:childTnLst>
+                    </p:cTn>
+                  </p:par>
+                </p:childTnLst>
+              </p:cTn>
+              <p:prevCondLst>
+                <p:cond evt="onPrev" delay="0">
+                  <p:tgtEl>
+                    <p:sldTgt/>
+                  </p:tgtEl>
+                </p:cond>
+              </p:prevCondLst>
+              <p:nextCondLst>
+                <p:cond evt="onNext" delay="0">
+                  <p:tgtEl>
+                    <p:sldTgt/>
+                  </p:tgtEl>
+                </p:cond>
+              </p:nextCondLst>
+            </p:seq>
+          </p:childTnLst>
+        </p:cTn>
       </p:par>
     </p:tnLst>
+    <p:bldLst>
+      <p:bldP spid="4" grpId="0" animBg="1"/>
+      <p:bldP spid="3" grpId="0" build="p"/>
+    </p:bldLst>
   </p:timing>
 </p:sld>
 </file>
@@ -7056,9 +8309,280 @@
   <p:timing>
     <p:tnLst>
       <p:par>
-        <p:cTn id="1" dur="indefinite" restart="never" nodeType="tmRoot"/>
+        <p:cTn id="1" dur="indefinite" restart="never" nodeType="tmRoot">
+          <p:childTnLst>
+            <p:seq concurrent="1" nextAc="seek">
+              <p:cTn id="2" dur="indefinite" nodeType="mainSeq">
+                <p:childTnLst>
+                  <p:par>
+                    <p:cTn id="3" fill="hold">
+                      <p:stCondLst>
+                        <p:cond delay="indefinite"/>
+                      </p:stCondLst>
+                      <p:childTnLst>
+                        <p:par>
+                          <p:cTn id="4" fill="hold">
+                            <p:stCondLst>
+                              <p:cond delay="0"/>
+                            </p:stCondLst>
+                            <p:childTnLst>
+                              <p:par>
+                                <p:cTn id="5" presetID="1" presetClass="entr" presetSubtype="0" fill="hold" grpId="0" nodeType="clickEffect">
+                                  <p:stCondLst>
+                                    <p:cond delay="0"/>
+                                  </p:stCondLst>
+                                  <p:childTnLst>
+                                    <p:set>
+                                      <p:cBhvr>
+                                        <p:cTn id="6" dur="1" fill="hold">
+                                          <p:stCondLst>
+                                            <p:cond delay="0"/>
+                                          </p:stCondLst>
+                                        </p:cTn>
+                                        <p:tgtEl>
+                                          <p:spTgt spid="3">
+                                            <p:txEl>
+                                              <p:pRg st="0" end="0"/>
+                                            </p:txEl>
+                                          </p:spTgt>
+                                        </p:tgtEl>
+                                        <p:attrNameLst>
+                                          <p:attrName>style.visibility</p:attrName>
+                                        </p:attrNameLst>
+                                      </p:cBhvr>
+                                      <p:to>
+                                        <p:strVal val="visible"/>
+                                      </p:to>
+                                    </p:set>
+                                  </p:childTnLst>
+                                </p:cTn>
+                              </p:par>
+                            </p:childTnLst>
+                          </p:cTn>
+                        </p:par>
+                      </p:childTnLst>
+                    </p:cTn>
+                  </p:par>
+                  <p:par>
+                    <p:cTn id="7" fill="hold">
+                      <p:stCondLst>
+                        <p:cond delay="indefinite"/>
+                      </p:stCondLst>
+                      <p:childTnLst>
+                        <p:par>
+                          <p:cTn id="8" fill="hold">
+                            <p:stCondLst>
+                              <p:cond delay="0"/>
+                            </p:stCondLst>
+                            <p:childTnLst>
+                              <p:par>
+                                <p:cTn id="9" presetID="1" presetClass="entr" presetSubtype="0" fill="hold" grpId="0" nodeType="clickEffect">
+                                  <p:stCondLst>
+                                    <p:cond delay="0"/>
+                                  </p:stCondLst>
+                                  <p:childTnLst>
+                                    <p:set>
+                                      <p:cBhvr>
+                                        <p:cTn id="10" dur="1" fill="hold">
+                                          <p:stCondLst>
+                                            <p:cond delay="0"/>
+                                          </p:stCondLst>
+                                        </p:cTn>
+                                        <p:tgtEl>
+                                          <p:spTgt spid="3">
+                                            <p:txEl>
+                                              <p:pRg st="1" end="1"/>
+                                            </p:txEl>
+                                          </p:spTgt>
+                                        </p:tgtEl>
+                                        <p:attrNameLst>
+                                          <p:attrName>style.visibility</p:attrName>
+                                        </p:attrNameLst>
+                                      </p:cBhvr>
+                                      <p:to>
+                                        <p:strVal val="visible"/>
+                                      </p:to>
+                                    </p:set>
+                                  </p:childTnLst>
+                                </p:cTn>
+                              </p:par>
+                            </p:childTnLst>
+                          </p:cTn>
+                        </p:par>
+                      </p:childTnLst>
+                    </p:cTn>
+                  </p:par>
+                  <p:par>
+                    <p:cTn id="11" fill="hold">
+                      <p:stCondLst>
+                        <p:cond delay="indefinite"/>
+                      </p:stCondLst>
+                      <p:childTnLst>
+                        <p:par>
+                          <p:cTn id="12" fill="hold">
+                            <p:stCondLst>
+                              <p:cond delay="0"/>
+                            </p:stCondLst>
+                            <p:childTnLst>
+                              <p:par>
+                                <p:cTn id="13" presetID="1" presetClass="entr" presetSubtype="0" fill="hold" grpId="0" nodeType="clickEffect">
+                                  <p:stCondLst>
+                                    <p:cond delay="0"/>
+                                  </p:stCondLst>
+                                  <p:childTnLst>
+                                    <p:set>
+                                      <p:cBhvr>
+                                        <p:cTn id="14" dur="1" fill="hold">
+                                          <p:stCondLst>
+                                            <p:cond delay="0"/>
+                                          </p:stCondLst>
+                                        </p:cTn>
+                                        <p:tgtEl>
+                                          <p:spTgt spid="3">
+                                            <p:txEl>
+                                              <p:pRg st="2" end="2"/>
+                                            </p:txEl>
+                                          </p:spTgt>
+                                        </p:tgtEl>
+                                        <p:attrNameLst>
+                                          <p:attrName>style.visibility</p:attrName>
+                                        </p:attrNameLst>
+                                      </p:cBhvr>
+                                      <p:to>
+                                        <p:strVal val="visible"/>
+                                      </p:to>
+                                    </p:set>
+                                  </p:childTnLst>
+                                </p:cTn>
+                              </p:par>
+                            </p:childTnLst>
+                          </p:cTn>
+                        </p:par>
+                      </p:childTnLst>
+                    </p:cTn>
+                  </p:par>
+                  <p:par>
+                    <p:cTn id="15" fill="hold">
+                      <p:stCondLst>
+                        <p:cond delay="indefinite"/>
+                      </p:stCondLst>
+                      <p:childTnLst>
+                        <p:par>
+                          <p:cTn id="16" fill="hold">
+                            <p:stCondLst>
+                              <p:cond delay="0"/>
+                            </p:stCondLst>
+                            <p:childTnLst>
+                              <p:par>
+                                <p:cTn id="17" presetID="1" presetClass="entr" presetSubtype="0" fill="hold" grpId="0" nodeType="clickEffect">
+                                  <p:stCondLst>
+                                    <p:cond delay="0"/>
+                                  </p:stCondLst>
+                                  <p:childTnLst>
+                                    <p:set>
+                                      <p:cBhvr>
+                                        <p:cTn id="18" dur="1" fill="hold">
+                                          <p:stCondLst>
+                                            <p:cond delay="0"/>
+                                          </p:stCondLst>
+                                        </p:cTn>
+                                        <p:tgtEl>
+                                          <p:spTgt spid="3">
+                                            <p:txEl>
+                                              <p:pRg st="3" end="3"/>
+                                            </p:txEl>
+                                          </p:spTgt>
+                                        </p:tgtEl>
+                                        <p:attrNameLst>
+                                          <p:attrName>style.visibility</p:attrName>
+                                        </p:attrNameLst>
+                                      </p:cBhvr>
+                                      <p:to>
+                                        <p:strVal val="visible"/>
+                                      </p:to>
+                                    </p:set>
+                                  </p:childTnLst>
+                                </p:cTn>
+                              </p:par>
+                            </p:childTnLst>
+                          </p:cTn>
+                        </p:par>
+                      </p:childTnLst>
+                    </p:cTn>
+                  </p:par>
+                  <p:par>
+                    <p:cTn id="19" fill="hold">
+                      <p:stCondLst>
+                        <p:cond delay="indefinite"/>
+                      </p:stCondLst>
+                      <p:childTnLst>
+                        <p:par>
+                          <p:cTn id="20" fill="hold">
+                            <p:stCondLst>
+                              <p:cond delay="0"/>
+                            </p:stCondLst>
+                            <p:childTnLst>
+                              <p:par>
+                                <p:cTn id="21" presetID="1" presetClass="entr" presetSubtype="0" fill="hold" grpId="0" nodeType="clickEffect">
+                                  <p:stCondLst>
+                                    <p:cond delay="0"/>
+                                  </p:stCondLst>
+                                  <p:childTnLst>
+                                    <p:set>
+                                      <p:cBhvr>
+                                        <p:cTn id="22" dur="1" fill="hold">
+                                          <p:stCondLst>
+                                            <p:cond delay="0"/>
+                                          </p:stCondLst>
+                                        </p:cTn>
+                                        <p:tgtEl>
+                                          <p:spTgt spid="3">
+                                            <p:txEl>
+                                              <p:pRg st="4" end="4"/>
+                                            </p:txEl>
+                                          </p:spTgt>
+                                        </p:tgtEl>
+                                        <p:attrNameLst>
+                                          <p:attrName>style.visibility</p:attrName>
+                                        </p:attrNameLst>
+                                      </p:cBhvr>
+                                      <p:to>
+                                        <p:strVal val="visible"/>
+                                      </p:to>
+                                    </p:set>
+                                  </p:childTnLst>
+                                </p:cTn>
+                              </p:par>
+                            </p:childTnLst>
+                          </p:cTn>
+                        </p:par>
+                      </p:childTnLst>
+                    </p:cTn>
+                  </p:par>
+                </p:childTnLst>
+              </p:cTn>
+              <p:prevCondLst>
+                <p:cond evt="onPrev" delay="0">
+                  <p:tgtEl>
+                    <p:sldTgt/>
+                  </p:tgtEl>
+                </p:cond>
+              </p:prevCondLst>
+              <p:nextCondLst>
+                <p:cond evt="onNext" delay="0">
+                  <p:tgtEl>
+                    <p:sldTgt/>
+                  </p:tgtEl>
+                </p:cond>
+              </p:nextCondLst>
+            </p:seq>
+          </p:childTnLst>
+        </p:cTn>
       </p:par>
     </p:tnLst>
+    <p:bldLst>
+      <p:bldP spid="3" grpId="0" build="p"/>
+    </p:bldLst>
   </p:timing>
 </p:sld>
 </file>
@@ -7225,9 +8749,329 @@
   <p:timing>
     <p:tnLst>
       <p:par>
-        <p:cTn id="1" dur="indefinite" restart="never" nodeType="tmRoot"/>
+        <p:cTn id="1" dur="indefinite" restart="never" nodeType="tmRoot">
+          <p:childTnLst>
+            <p:seq concurrent="1" nextAc="seek">
+              <p:cTn id="2" dur="indefinite" nodeType="mainSeq">
+                <p:childTnLst>
+                  <p:par>
+                    <p:cTn id="3" fill="hold">
+                      <p:stCondLst>
+                        <p:cond delay="indefinite"/>
+                      </p:stCondLst>
+                      <p:childTnLst>
+                        <p:par>
+                          <p:cTn id="4" fill="hold">
+                            <p:stCondLst>
+                              <p:cond delay="0"/>
+                            </p:stCondLst>
+                            <p:childTnLst>
+                              <p:par>
+                                <p:cTn id="5" presetID="1" presetClass="entr" presetSubtype="0" fill="hold" grpId="0" nodeType="clickEffect">
+                                  <p:stCondLst>
+                                    <p:cond delay="0"/>
+                                  </p:stCondLst>
+                                  <p:childTnLst>
+                                    <p:set>
+                                      <p:cBhvr>
+                                        <p:cTn id="6" dur="1" fill="hold">
+                                          <p:stCondLst>
+                                            <p:cond delay="0"/>
+                                          </p:stCondLst>
+                                        </p:cTn>
+                                        <p:tgtEl>
+                                          <p:spTgt spid="3">
+                                            <p:txEl>
+                                              <p:pRg st="0" end="0"/>
+                                            </p:txEl>
+                                          </p:spTgt>
+                                        </p:tgtEl>
+                                        <p:attrNameLst>
+                                          <p:attrName>style.visibility</p:attrName>
+                                        </p:attrNameLst>
+                                      </p:cBhvr>
+                                      <p:to>
+                                        <p:strVal val="visible"/>
+                                      </p:to>
+                                    </p:set>
+                                  </p:childTnLst>
+                                </p:cTn>
+                              </p:par>
+                            </p:childTnLst>
+                          </p:cTn>
+                        </p:par>
+                      </p:childTnLst>
+                    </p:cTn>
+                  </p:par>
+                  <p:par>
+                    <p:cTn id="7" fill="hold">
+                      <p:stCondLst>
+                        <p:cond delay="indefinite"/>
+                      </p:stCondLst>
+                      <p:childTnLst>
+                        <p:par>
+                          <p:cTn id="8" fill="hold">
+                            <p:stCondLst>
+                              <p:cond delay="0"/>
+                            </p:stCondLst>
+                            <p:childTnLst>
+                              <p:par>
+                                <p:cTn id="9" presetID="1" presetClass="entr" presetSubtype="0" fill="hold" grpId="0" nodeType="clickEffect">
+                                  <p:stCondLst>
+                                    <p:cond delay="0"/>
+                                  </p:stCondLst>
+                                  <p:childTnLst>
+                                    <p:set>
+                                      <p:cBhvr>
+                                        <p:cTn id="10" dur="1" fill="hold">
+                                          <p:stCondLst>
+                                            <p:cond delay="0"/>
+                                          </p:stCondLst>
+                                        </p:cTn>
+                                        <p:tgtEl>
+                                          <p:spTgt spid="3">
+                                            <p:txEl>
+                                              <p:pRg st="1" end="1"/>
+                                            </p:txEl>
+                                          </p:spTgt>
+                                        </p:tgtEl>
+                                        <p:attrNameLst>
+                                          <p:attrName>style.visibility</p:attrName>
+                                        </p:attrNameLst>
+                                      </p:cBhvr>
+                                      <p:to>
+                                        <p:strVal val="visible"/>
+                                      </p:to>
+                                    </p:set>
+                                  </p:childTnLst>
+                                </p:cTn>
+                              </p:par>
+                            </p:childTnLst>
+                          </p:cTn>
+                        </p:par>
+                      </p:childTnLst>
+                    </p:cTn>
+                  </p:par>
+                  <p:par>
+                    <p:cTn id="11" fill="hold">
+                      <p:stCondLst>
+                        <p:cond delay="indefinite"/>
+                      </p:stCondLst>
+                      <p:childTnLst>
+                        <p:par>
+                          <p:cTn id="12" fill="hold">
+                            <p:stCondLst>
+                              <p:cond delay="0"/>
+                            </p:stCondLst>
+                            <p:childTnLst>
+                              <p:par>
+                                <p:cTn id="13" presetID="1" presetClass="entr" presetSubtype="0" fill="hold" grpId="0" nodeType="clickEffect">
+                                  <p:stCondLst>
+                                    <p:cond delay="0"/>
+                                  </p:stCondLst>
+                                  <p:childTnLst>
+                                    <p:set>
+                                      <p:cBhvr>
+                                        <p:cTn id="14" dur="1" fill="hold">
+                                          <p:stCondLst>
+                                            <p:cond delay="0"/>
+                                          </p:stCondLst>
+                                        </p:cTn>
+                                        <p:tgtEl>
+                                          <p:spTgt spid="3">
+                                            <p:txEl>
+                                              <p:pRg st="2" end="2"/>
+                                            </p:txEl>
+                                          </p:spTgt>
+                                        </p:tgtEl>
+                                        <p:attrNameLst>
+                                          <p:attrName>style.visibility</p:attrName>
+                                        </p:attrNameLst>
+                                      </p:cBhvr>
+                                      <p:to>
+                                        <p:strVal val="visible"/>
+                                      </p:to>
+                                    </p:set>
+                                  </p:childTnLst>
+                                </p:cTn>
+                              </p:par>
+                            </p:childTnLst>
+                          </p:cTn>
+                        </p:par>
+                      </p:childTnLst>
+                    </p:cTn>
+                  </p:par>
+                  <p:par>
+                    <p:cTn id="15" fill="hold">
+                      <p:stCondLst>
+                        <p:cond delay="indefinite"/>
+                      </p:stCondLst>
+                      <p:childTnLst>
+                        <p:par>
+                          <p:cTn id="16" fill="hold">
+                            <p:stCondLst>
+                              <p:cond delay="0"/>
+                            </p:stCondLst>
+                            <p:childTnLst>
+                              <p:par>
+                                <p:cTn id="17" presetID="1" presetClass="entr" presetSubtype="0" fill="hold" grpId="0" nodeType="clickEffect">
+                                  <p:stCondLst>
+                                    <p:cond delay="0"/>
+                                  </p:stCondLst>
+                                  <p:childTnLst>
+                                    <p:set>
+                                      <p:cBhvr>
+                                        <p:cTn id="18" dur="1" fill="hold">
+                                          <p:stCondLst>
+                                            <p:cond delay="0"/>
+                                          </p:stCondLst>
+                                        </p:cTn>
+                                        <p:tgtEl>
+                                          <p:spTgt spid="3">
+                                            <p:txEl>
+                                              <p:pRg st="3" end="3"/>
+                                            </p:txEl>
+                                          </p:spTgt>
+                                        </p:tgtEl>
+                                        <p:attrNameLst>
+                                          <p:attrName>style.visibility</p:attrName>
+                                        </p:attrNameLst>
+                                      </p:cBhvr>
+                                      <p:to>
+                                        <p:strVal val="visible"/>
+                                      </p:to>
+                                    </p:set>
+                                  </p:childTnLst>
+                                </p:cTn>
+                              </p:par>
+                            </p:childTnLst>
+                          </p:cTn>
+                        </p:par>
+                      </p:childTnLst>
+                    </p:cTn>
+                  </p:par>
+                  <p:par>
+                    <p:cTn id="19" fill="hold">
+                      <p:stCondLst>
+                        <p:cond delay="indefinite"/>
+                      </p:stCondLst>
+                      <p:childTnLst>
+                        <p:par>
+                          <p:cTn id="20" fill="hold">
+                            <p:stCondLst>
+                              <p:cond delay="0"/>
+                            </p:stCondLst>
+                            <p:childTnLst>
+                              <p:par>
+                                <p:cTn id="21" presetID="1" presetClass="entr" presetSubtype="0" fill="hold" grpId="0" nodeType="clickEffect">
+                                  <p:stCondLst>
+                                    <p:cond delay="0"/>
+                                  </p:stCondLst>
+                                  <p:childTnLst>
+                                    <p:set>
+                                      <p:cBhvr>
+                                        <p:cTn id="22" dur="1" fill="hold">
+                                          <p:stCondLst>
+                                            <p:cond delay="0"/>
+                                          </p:stCondLst>
+                                        </p:cTn>
+                                        <p:tgtEl>
+                                          <p:spTgt spid="3">
+                                            <p:txEl>
+                                              <p:pRg st="4" end="4"/>
+                                            </p:txEl>
+                                          </p:spTgt>
+                                        </p:tgtEl>
+                                        <p:attrNameLst>
+                                          <p:attrName>style.visibility</p:attrName>
+                                        </p:attrNameLst>
+                                      </p:cBhvr>
+                                      <p:to>
+                                        <p:strVal val="visible"/>
+                                      </p:to>
+                                    </p:set>
+                                  </p:childTnLst>
+                                </p:cTn>
+                              </p:par>
+                            </p:childTnLst>
+                          </p:cTn>
+                        </p:par>
+                      </p:childTnLst>
+                    </p:cTn>
+                  </p:par>
+                  <p:par>
+                    <p:cTn id="23" fill="hold">
+                      <p:stCondLst>
+                        <p:cond delay="indefinite"/>
+                      </p:stCondLst>
+                      <p:childTnLst>
+                        <p:par>
+                          <p:cTn id="24" fill="hold">
+                            <p:stCondLst>
+                              <p:cond delay="0"/>
+                            </p:stCondLst>
+                            <p:childTnLst>
+                              <p:par>
+                                <p:cTn id="25" presetID="1" presetClass="entr" presetSubtype="0" fill="hold" grpId="0" nodeType="clickEffect">
+                                  <p:stCondLst>
+                                    <p:cond delay="0"/>
+                                  </p:stCondLst>
+                                  <p:childTnLst>
+                                    <p:set>
+                                      <p:cBhvr>
+                                        <p:cTn id="26" dur="1" fill="hold">
+                                          <p:stCondLst>
+                                            <p:cond delay="0"/>
+                                          </p:stCondLst>
+                                        </p:cTn>
+                                        <p:tgtEl>
+                                          <p:spTgt spid="3">
+                                            <p:txEl>
+                                              <p:pRg st="5" end="5"/>
+                                            </p:txEl>
+                                          </p:spTgt>
+                                        </p:tgtEl>
+                                        <p:attrNameLst>
+                                          <p:attrName>style.visibility</p:attrName>
+                                        </p:attrNameLst>
+                                      </p:cBhvr>
+                                      <p:to>
+                                        <p:strVal val="visible"/>
+                                      </p:to>
+                                    </p:set>
+                                  </p:childTnLst>
+                                </p:cTn>
+                              </p:par>
+                            </p:childTnLst>
+                          </p:cTn>
+                        </p:par>
+                      </p:childTnLst>
+                    </p:cTn>
+                  </p:par>
+                </p:childTnLst>
+              </p:cTn>
+              <p:prevCondLst>
+                <p:cond evt="onPrev" delay="0">
+                  <p:tgtEl>
+                    <p:sldTgt/>
+                  </p:tgtEl>
+                </p:cond>
+              </p:prevCondLst>
+              <p:nextCondLst>
+                <p:cond evt="onNext" delay="0">
+                  <p:tgtEl>
+                    <p:sldTgt/>
+                  </p:tgtEl>
+                </p:cond>
+              </p:nextCondLst>
+            </p:seq>
+          </p:childTnLst>
+        </p:cTn>
       </p:par>
     </p:tnLst>
+    <p:bldLst>
+      <p:bldP spid="3" grpId="0" build="p"/>
+    </p:bldLst>
   </p:timing>
 </p:sld>
 </file>
@@ -7420,9 +9264,553 @@
   <p:timing>
     <p:tnLst>
       <p:par>
-        <p:cTn id="1" dur="indefinite" restart="never" nodeType="tmRoot"/>
+        <p:cTn id="1" dur="indefinite" restart="never" nodeType="tmRoot">
+          <p:childTnLst>
+            <p:seq concurrent="1" nextAc="seek">
+              <p:cTn id="2" dur="indefinite" nodeType="mainSeq">
+                <p:childTnLst>
+                  <p:par>
+                    <p:cTn id="3" fill="hold">
+                      <p:stCondLst>
+                        <p:cond delay="indefinite"/>
+                      </p:stCondLst>
+                      <p:childTnLst>
+                        <p:par>
+                          <p:cTn id="4" fill="hold">
+                            <p:stCondLst>
+                              <p:cond delay="0"/>
+                            </p:stCondLst>
+                            <p:childTnLst>
+                              <p:par>
+                                <p:cTn id="5" presetID="1" presetClass="entr" presetSubtype="0" fill="hold" grpId="0" nodeType="clickEffect">
+                                  <p:stCondLst>
+                                    <p:cond delay="0"/>
+                                  </p:stCondLst>
+                                  <p:childTnLst>
+                                    <p:set>
+                                      <p:cBhvr>
+                                        <p:cTn id="6" dur="1" fill="hold">
+                                          <p:stCondLst>
+                                            <p:cond delay="0"/>
+                                          </p:stCondLst>
+                                        </p:cTn>
+                                        <p:tgtEl>
+                                          <p:spTgt spid="3">
+                                            <p:txEl>
+                                              <p:pRg st="0" end="0"/>
+                                            </p:txEl>
+                                          </p:spTgt>
+                                        </p:tgtEl>
+                                        <p:attrNameLst>
+                                          <p:attrName>style.visibility</p:attrName>
+                                        </p:attrNameLst>
+                                      </p:cBhvr>
+                                      <p:to>
+                                        <p:strVal val="visible"/>
+                                      </p:to>
+                                    </p:set>
+                                  </p:childTnLst>
+                                </p:cTn>
+                              </p:par>
+                            </p:childTnLst>
+                          </p:cTn>
+                        </p:par>
+                      </p:childTnLst>
+                    </p:cTn>
+                  </p:par>
+                  <p:par>
+                    <p:cTn id="7" fill="hold">
+                      <p:stCondLst>
+                        <p:cond delay="indefinite"/>
+                      </p:stCondLst>
+                      <p:childTnLst>
+                        <p:par>
+                          <p:cTn id="8" fill="hold">
+                            <p:stCondLst>
+                              <p:cond delay="0"/>
+                            </p:stCondLst>
+                            <p:childTnLst>
+                              <p:par>
+                                <p:cTn id="9" presetID="1" presetClass="entr" presetSubtype="0" fill="hold" grpId="0" nodeType="clickEffect">
+                                  <p:stCondLst>
+                                    <p:cond delay="0"/>
+                                  </p:stCondLst>
+                                  <p:childTnLst>
+                                    <p:set>
+                                      <p:cBhvr>
+                                        <p:cTn id="10" dur="1" fill="hold">
+                                          <p:stCondLst>
+                                            <p:cond delay="0"/>
+                                          </p:stCondLst>
+                                        </p:cTn>
+                                        <p:tgtEl>
+                                          <p:spTgt spid="3">
+                                            <p:txEl>
+                                              <p:pRg st="1" end="1"/>
+                                            </p:txEl>
+                                          </p:spTgt>
+                                        </p:tgtEl>
+                                        <p:attrNameLst>
+                                          <p:attrName>style.visibility</p:attrName>
+                                        </p:attrNameLst>
+                                      </p:cBhvr>
+                                      <p:to>
+                                        <p:strVal val="visible"/>
+                                      </p:to>
+                                    </p:set>
+                                  </p:childTnLst>
+                                </p:cTn>
+                              </p:par>
+                            </p:childTnLst>
+                          </p:cTn>
+                        </p:par>
+                      </p:childTnLst>
+                    </p:cTn>
+                  </p:par>
+                  <p:par>
+                    <p:cTn id="11" fill="hold">
+                      <p:stCondLst>
+                        <p:cond delay="indefinite"/>
+                      </p:stCondLst>
+                      <p:childTnLst>
+                        <p:par>
+                          <p:cTn id="12" fill="hold">
+                            <p:stCondLst>
+                              <p:cond delay="0"/>
+                            </p:stCondLst>
+                            <p:childTnLst>
+                              <p:par>
+                                <p:cTn id="13" presetID="1" presetClass="entr" presetSubtype="0" fill="hold" grpId="0" nodeType="clickEffect">
+                                  <p:stCondLst>
+                                    <p:cond delay="0"/>
+                                  </p:stCondLst>
+                                  <p:childTnLst>
+                                    <p:set>
+                                      <p:cBhvr>
+                                        <p:cTn id="14" dur="1" fill="hold">
+                                          <p:stCondLst>
+                                            <p:cond delay="0"/>
+                                          </p:stCondLst>
+                                        </p:cTn>
+                                        <p:tgtEl>
+                                          <p:spTgt spid="3">
+                                            <p:txEl>
+                                              <p:pRg st="2" end="2"/>
+                                            </p:txEl>
+                                          </p:spTgt>
+                                        </p:tgtEl>
+                                        <p:attrNameLst>
+                                          <p:attrName>style.visibility</p:attrName>
+                                        </p:attrNameLst>
+                                      </p:cBhvr>
+                                      <p:to>
+                                        <p:strVal val="visible"/>
+                                      </p:to>
+                                    </p:set>
+                                  </p:childTnLst>
+                                </p:cTn>
+                              </p:par>
+                            </p:childTnLst>
+                          </p:cTn>
+                        </p:par>
+                      </p:childTnLst>
+                    </p:cTn>
+                  </p:par>
+                  <p:par>
+                    <p:cTn id="15" fill="hold">
+                      <p:stCondLst>
+                        <p:cond delay="indefinite"/>
+                      </p:stCondLst>
+                      <p:childTnLst>
+                        <p:par>
+                          <p:cTn id="16" fill="hold">
+                            <p:stCondLst>
+                              <p:cond delay="0"/>
+                            </p:stCondLst>
+                            <p:childTnLst>
+                              <p:par>
+                                <p:cTn id="17" presetID="1" presetClass="entr" presetSubtype="0" fill="hold" grpId="0" nodeType="clickEffect">
+                                  <p:stCondLst>
+                                    <p:cond delay="0"/>
+                                  </p:stCondLst>
+                                  <p:childTnLst>
+                                    <p:set>
+                                      <p:cBhvr>
+                                        <p:cTn id="18" dur="1" fill="hold">
+                                          <p:stCondLst>
+                                            <p:cond delay="0"/>
+                                          </p:stCondLst>
+                                        </p:cTn>
+                                        <p:tgtEl>
+                                          <p:spTgt spid="3">
+                                            <p:txEl>
+                                              <p:pRg st="3" end="3"/>
+                                            </p:txEl>
+                                          </p:spTgt>
+                                        </p:tgtEl>
+                                        <p:attrNameLst>
+                                          <p:attrName>style.visibility</p:attrName>
+                                        </p:attrNameLst>
+                                      </p:cBhvr>
+                                      <p:to>
+                                        <p:strVal val="visible"/>
+                                      </p:to>
+                                    </p:set>
+                                  </p:childTnLst>
+                                </p:cTn>
+                              </p:par>
+                            </p:childTnLst>
+                          </p:cTn>
+                        </p:par>
+                      </p:childTnLst>
+                    </p:cTn>
+                  </p:par>
+                  <p:par>
+                    <p:cTn id="19" fill="hold">
+                      <p:stCondLst>
+                        <p:cond delay="indefinite"/>
+                      </p:stCondLst>
+                      <p:childTnLst>
+                        <p:par>
+                          <p:cTn id="20" fill="hold">
+                            <p:stCondLst>
+                              <p:cond delay="0"/>
+                            </p:stCondLst>
+                            <p:childTnLst>
+                              <p:par>
+                                <p:cTn id="21" presetID="1" presetClass="entr" presetSubtype="0" fill="hold" grpId="0" nodeType="clickEffect">
+                                  <p:stCondLst>
+                                    <p:cond delay="0"/>
+                                  </p:stCondLst>
+                                  <p:childTnLst>
+                                    <p:set>
+                                      <p:cBhvr>
+                                        <p:cTn id="22" dur="1" fill="hold">
+                                          <p:stCondLst>
+                                            <p:cond delay="0"/>
+                                          </p:stCondLst>
+                                        </p:cTn>
+                                        <p:tgtEl>
+                                          <p:spTgt spid="3">
+                                            <p:txEl>
+                                              <p:pRg st="4" end="4"/>
+                                            </p:txEl>
+                                          </p:spTgt>
+                                        </p:tgtEl>
+                                        <p:attrNameLst>
+                                          <p:attrName>style.visibility</p:attrName>
+                                        </p:attrNameLst>
+                                      </p:cBhvr>
+                                      <p:to>
+                                        <p:strVal val="visible"/>
+                                      </p:to>
+                                    </p:set>
+                                  </p:childTnLst>
+                                </p:cTn>
+                              </p:par>
+                            </p:childTnLst>
+                          </p:cTn>
+                        </p:par>
+                      </p:childTnLst>
+                    </p:cTn>
+                  </p:par>
+                </p:childTnLst>
+              </p:cTn>
+              <p:prevCondLst>
+                <p:cond evt="onPrev" delay="0">
+                  <p:tgtEl>
+                    <p:sldTgt/>
+                  </p:tgtEl>
+                </p:cond>
+              </p:prevCondLst>
+              <p:nextCondLst>
+                <p:cond evt="onNext" delay="0">
+                  <p:tgtEl>
+                    <p:sldTgt/>
+                  </p:tgtEl>
+                </p:cond>
+              </p:nextCondLst>
+            </p:seq>
+          </p:childTnLst>
+        </p:cTn>
       </p:par>
     </p:tnLst>
+    <p:bldLst>
+      <p:bldP spid="3" grpId="0" build="p"/>
+    </p:bldLst>
+  </p:timing>
+</p:sld>
+</file>
+
+<file path=ppt/slides/slide19.xml><?xml version="1.0" encoding="utf-8"?>
+<p:sld xmlns:a="http://schemas.openxmlformats.org/drawingml/2006/main" xmlns:r="http://schemas.openxmlformats.org/officeDocument/2006/relationships" xmlns:p="http://schemas.openxmlformats.org/presentationml/2006/main">
+  <p:cSld>
+    <p:spTree>
+      <p:nvGrpSpPr>
+        <p:cNvPr id="1" name=""/>
+        <p:cNvGrpSpPr/>
+        <p:nvPr/>
+      </p:nvGrpSpPr>
+      <p:grpSpPr>
+        <a:xfrm>
+          <a:off x="0" y="0"/>
+          <a:ext cx="0" cy="0"/>
+          <a:chOff x="0" y="0"/>
+          <a:chExt cx="0" cy="0"/>
+        </a:xfrm>
+      </p:grpSpPr>
+      <p:sp>
+        <p:nvSpPr>
+          <p:cNvPr id="2" name="Title 1"/>
+          <p:cNvSpPr>
+            <a:spLocks noGrp="1"/>
+          </p:cNvSpPr>
+          <p:nvPr>
+            <p:ph type="title"/>
+          </p:nvPr>
+        </p:nvSpPr>
+        <p:spPr/>
+        <p:txBody>
+          <a:bodyPr/>
+          <a:lstStyle/>
+          <a:p>
+            <a:r>
+              <a:rPr lang="en-CA" dirty="0" smtClean="0"/>
+              <a:t>Permissions summary</a:t>
+            </a:r>
+            <a:endParaRPr lang="en-CA" dirty="0"/>
+          </a:p>
+        </p:txBody>
+      </p:sp>
+      <p:sp>
+        <p:nvSpPr>
+          <p:cNvPr id="3" name="Content Placeholder 2"/>
+          <p:cNvSpPr>
+            <a:spLocks noGrp="1"/>
+          </p:cNvSpPr>
+          <p:nvPr>
+            <p:ph idx="1"/>
+          </p:nvPr>
+        </p:nvSpPr>
+        <p:spPr>
+          <a:xfrm>
+            <a:off x="0" y="1825625"/>
+            <a:ext cx="12192000" cy="4351338"/>
+          </a:xfrm>
+        </p:spPr>
+        <p:txBody>
+          <a:bodyPr/>
+          <a:lstStyle/>
+          <a:p>
+            <a:r>
+              <a:rPr lang="en-CA" dirty="0" smtClean="0"/>
+              <a:t>Since Android 6.0 (October 2015) all dangerous permissions must be explicitly granted by user at runtime</a:t>
+            </a:r>
+          </a:p>
+          <a:p>
+            <a:r>
+              <a:rPr lang="en-CA" dirty="0" smtClean="0"/>
+              <a:t>Whenever possible, find a way to avoid requesting dangerous permissions</a:t>
+            </a:r>
+          </a:p>
+          <a:p>
+            <a:r>
+              <a:rPr lang="en-CA" dirty="0" smtClean="0"/>
+              <a:t>Be clear to the user why the permission is necessary, and make sure the permission matches the functionality of the app</a:t>
+            </a:r>
+            <a:endParaRPr lang="en-CA" dirty="0"/>
+          </a:p>
+        </p:txBody>
+      </p:sp>
+    </p:spTree>
+    <p:extLst>
+      <p:ext uri="{BB962C8B-B14F-4D97-AF65-F5344CB8AC3E}">
+        <p14:creationId xmlns:p14="http://schemas.microsoft.com/office/powerpoint/2010/main" val="944468197"/>
+      </p:ext>
+    </p:extLst>
+  </p:cSld>
+  <p:clrMapOvr>
+    <a:masterClrMapping/>
+  </p:clrMapOvr>
+  <p:timing>
+    <p:tnLst>
+      <p:par>
+        <p:cTn id="1" dur="indefinite" restart="never" nodeType="tmRoot">
+          <p:childTnLst>
+            <p:seq concurrent="1" nextAc="seek">
+              <p:cTn id="2" dur="indefinite" nodeType="mainSeq">
+                <p:childTnLst>
+                  <p:par>
+                    <p:cTn id="3" fill="hold">
+                      <p:stCondLst>
+                        <p:cond delay="indefinite"/>
+                      </p:stCondLst>
+                      <p:childTnLst>
+                        <p:par>
+                          <p:cTn id="4" fill="hold">
+                            <p:stCondLst>
+                              <p:cond delay="0"/>
+                            </p:stCondLst>
+                            <p:childTnLst>
+                              <p:par>
+                                <p:cTn id="5" presetID="1" presetClass="entr" presetSubtype="0" fill="hold" grpId="0" nodeType="clickEffect">
+                                  <p:stCondLst>
+                                    <p:cond delay="0"/>
+                                  </p:stCondLst>
+                                  <p:childTnLst>
+                                    <p:set>
+                                      <p:cBhvr>
+                                        <p:cTn id="6" dur="1" fill="hold">
+                                          <p:stCondLst>
+                                            <p:cond delay="0"/>
+                                          </p:stCondLst>
+                                        </p:cTn>
+                                        <p:tgtEl>
+                                          <p:spTgt spid="3">
+                                            <p:txEl>
+                                              <p:pRg st="0" end="0"/>
+                                            </p:txEl>
+                                          </p:spTgt>
+                                        </p:tgtEl>
+                                        <p:attrNameLst>
+                                          <p:attrName>style.visibility</p:attrName>
+                                        </p:attrNameLst>
+                                      </p:cBhvr>
+                                      <p:to>
+                                        <p:strVal val="visible"/>
+                                      </p:to>
+                                    </p:set>
+                                  </p:childTnLst>
+                                </p:cTn>
+                              </p:par>
+                            </p:childTnLst>
+                          </p:cTn>
+                        </p:par>
+                      </p:childTnLst>
+                    </p:cTn>
+                  </p:par>
+                  <p:par>
+                    <p:cTn id="7" fill="hold">
+                      <p:stCondLst>
+                        <p:cond delay="indefinite"/>
+                      </p:stCondLst>
+                      <p:childTnLst>
+                        <p:par>
+                          <p:cTn id="8" fill="hold">
+                            <p:stCondLst>
+                              <p:cond delay="0"/>
+                            </p:stCondLst>
+                            <p:childTnLst>
+                              <p:par>
+                                <p:cTn id="9" presetID="1" presetClass="entr" presetSubtype="0" fill="hold" grpId="0" nodeType="clickEffect">
+                                  <p:stCondLst>
+                                    <p:cond delay="0"/>
+                                  </p:stCondLst>
+                                  <p:childTnLst>
+                                    <p:set>
+                                      <p:cBhvr>
+                                        <p:cTn id="10" dur="1" fill="hold">
+                                          <p:stCondLst>
+                                            <p:cond delay="0"/>
+                                          </p:stCondLst>
+                                        </p:cTn>
+                                        <p:tgtEl>
+                                          <p:spTgt spid="3">
+                                            <p:txEl>
+                                              <p:pRg st="1" end="1"/>
+                                            </p:txEl>
+                                          </p:spTgt>
+                                        </p:tgtEl>
+                                        <p:attrNameLst>
+                                          <p:attrName>style.visibility</p:attrName>
+                                        </p:attrNameLst>
+                                      </p:cBhvr>
+                                      <p:to>
+                                        <p:strVal val="visible"/>
+                                      </p:to>
+                                    </p:set>
+                                  </p:childTnLst>
+                                </p:cTn>
+                              </p:par>
+                            </p:childTnLst>
+                          </p:cTn>
+                        </p:par>
+                      </p:childTnLst>
+                    </p:cTn>
+                  </p:par>
+                  <p:par>
+                    <p:cTn id="11" fill="hold">
+                      <p:stCondLst>
+                        <p:cond delay="indefinite"/>
+                      </p:stCondLst>
+                      <p:childTnLst>
+                        <p:par>
+                          <p:cTn id="12" fill="hold">
+                            <p:stCondLst>
+                              <p:cond delay="0"/>
+                            </p:stCondLst>
+                            <p:childTnLst>
+                              <p:par>
+                                <p:cTn id="13" presetID="1" presetClass="entr" presetSubtype="0" fill="hold" grpId="0" nodeType="clickEffect">
+                                  <p:stCondLst>
+                                    <p:cond delay="0"/>
+                                  </p:stCondLst>
+                                  <p:childTnLst>
+                                    <p:set>
+                                      <p:cBhvr>
+                                        <p:cTn id="14" dur="1" fill="hold">
+                                          <p:stCondLst>
+                                            <p:cond delay="0"/>
+                                          </p:stCondLst>
+                                        </p:cTn>
+                                        <p:tgtEl>
+                                          <p:spTgt spid="3">
+                                            <p:txEl>
+                                              <p:pRg st="2" end="2"/>
+                                            </p:txEl>
+                                          </p:spTgt>
+                                        </p:tgtEl>
+                                        <p:attrNameLst>
+                                          <p:attrName>style.visibility</p:attrName>
+                                        </p:attrNameLst>
+                                      </p:cBhvr>
+                                      <p:to>
+                                        <p:strVal val="visible"/>
+                                      </p:to>
+                                    </p:set>
+                                  </p:childTnLst>
+                                </p:cTn>
+                              </p:par>
+                            </p:childTnLst>
+                          </p:cTn>
+                        </p:par>
+                      </p:childTnLst>
+                    </p:cTn>
+                  </p:par>
+                </p:childTnLst>
+              </p:cTn>
+              <p:prevCondLst>
+                <p:cond evt="onPrev" delay="0">
+                  <p:tgtEl>
+                    <p:sldTgt/>
+                  </p:tgtEl>
+                </p:cond>
+              </p:prevCondLst>
+              <p:nextCondLst>
+                <p:cond evt="onNext" delay="0">
+                  <p:tgtEl>
+                    <p:sldTgt/>
+                  </p:tgtEl>
+                </p:cond>
+              </p:nextCondLst>
+            </p:seq>
+          </p:childTnLst>
+        </p:cTn>
+      </p:par>
+    </p:tnLst>
+    <p:bldLst>
+      <p:bldP spid="3" grpId="0" build="p"/>
+    </p:bldLst>
   </p:timing>
 </p:sld>
 </file>
@@ -7655,13 +10043,8 @@
             </a:r>
             <a:r>
               <a:rPr lang="en-CA" dirty="0" smtClean="0"/>
-              <a:t>() to slow down </a:t>
-            </a:r>
-            <a:r>
-              <a:rPr lang="en-CA" smtClean="0"/>
-              <a:t>the loading a bit)</a:t>
-            </a:r>
-            <a:endParaRPr lang="en-CA" dirty="0" smtClean="0"/>
+              <a:t>() to slow down the loading a bit)</a:t>
+            </a:r>
           </a:p>
         </p:txBody>
       </p:sp>
@@ -8025,9 +10408,435 @@
   <p:timing>
     <p:tnLst>
       <p:par>
-        <p:cTn id="1" dur="indefinite" restart="never" nodeType="tmRoot"/>
+        <p:cTn id="1" dur="indefinite" restart="never" nodeType="tmRoot">
+          <p:childTnLst>
+            <p:seq concurrent="1" nextAc="seek">
+              <p:cTn id="2" dur="indefinite" nodeType="mainSeq">
+                <p:childTnLst>
+                  <p:par>
+                    <p:cTn id="3" fill="hold">
+                      <p:stCondLst>
+                        <p:cond delay="indefinite"/>
+                      </p:stCondLst>
+                      <p:childTnLst>
+                        <p:par>
+                          <p:cTn id="4" fill="hold">
+                            <p:stCondLst>
+                              <p:cond delay="0"/>
+                            </p:stCondLst>
+                            <p:childTnLst>
+                              <p:par>
+                                <p:cTn id="5" presetID="1" presetClass="entr" presetSubtype="0" fill="hold" grpId="0" nodeType="clickEffect">
+                                  <p:stCondLst>
+                                    <p:cond delay="0"/>
+                                  </p:stCondLst>
+                                  <p:childTnLst>
+                                    <p:set>
+                                      <p:cBhvr>
+                                        <p:cTn id="6" dur="1" fill="hold">
+                                          <p:stCondLst>
+                                            <p:cond delay="0"/>
+                                          </p:stCondLst>
+                                        </p:cTn>
+                                        <p:tgtEl>
+                                          <p:spTgt spid="3">
+                                            <p:txEl>
+                                              <p:pRg st="0" end="0"/>
+                                            </p:txEl>
+                                          </p:spTgt>
+                                        </p:tgtEl>
+                                        <p:attrNameLst>
+                                          <p:attrName>style.visibility</p:attrName>
+                                        </p:attrNameLst>
+                                      </p:cBhvr>
+                                      <p:to>
+                                        <p:strVal val="visible"/>
+                                      </p:to>
+                                    </p:set>
+                                  </p:childTnLst>
+                                </p:cTn>
+                              </p:par>
+                            </p:childTnLst>
+                          </p:cTn>
+                        </p:par>
+                      </p:childTnLst>
+                    </p:cTn>
+                  </p:par>
+                  <p:par>
+                    <p:cTn id="7" fill="hold">
+                      <p:stCondLst>
+                        <p:cond delay="indefinite"/>
+                      </p:stCondLst>
+                      <p:childTnLst>
+                        <p:par>
+                          <p:cTn id="8" fill="hold">
+                            <p:stCondLst>
+                              <p:cond delay="0"/>
+                            </p:stCondLst>
+                            <p:childTnLst>
+                              <p:par>
+                                <p:cTn id="9" presetID="1" presetClass="entr" presetSubtype="0" fill="hold" grpId="0" nodeType="clickEffect">
+                                  <p:stCondLst>
+                                    <p:cond delay="0"/>
+                                  </p:stCondLst>
+                                  <p:childTnLst>
+                                    <p:set>
+                                      <p:cBhvr>
+                                        <p:cTn id="10" dur="1" fill="hold">
+                                          <p:stCondLst>
+                                            <p:cond delay="0"/>
+                                          </p:stCondLst>
+                                        </p:cTn>
+                                        <p:tgtEl>
+                                          <p:spTgt spid="3">
+                                            <p:txEl>
+                                              <p:pRg st="1" end="1"/>
+                                            </p:txEl>
+                                          </p:spTgt>
+                                        </p:tgtEl>
+                                        <p:attrNameLst>
+                                          <p:attrName>style.visibility</p:attrName>
+                                        </p:attrNameLst>
+                                      </p:cBhvr>
+                                      <p:to>
+                                        <p:strVal val="visible"/>
+                                      </p:to>
+                                    </p:set>
+                                  </p:childTnLst>
+                                </p:cTn>
+                              </p:par>
+                            </p:childTnLst>
+                          </p:cTn>
+                        </p:par>
+                      </p:childTnLst>
+                    </p:cTn>
+                  </p:par>
+                  <p:par>
+                    <p:cTn id="11" fill="hold">
+                      <p:stCondLst>
+                        <p:cond delay="indefinite"/>
+                      </p:stCondLst>
+                      <p:childTnLst>
+                        <p:par>
+                          <p:cTn id="12" fill="hold">
+                            <p:stCondLst>
+                              <p:cond delay="0"/>
+                            </p:stCondLst>
+                            <p:childTnLst>
+                              <p:par>
+                                <p:cTn id="13" presetID="1" presetClass="entr" presetSubtype="0" fill="hold" grpId="0" nodeType="clickEffect">
+                                  <p:stCondLst>
+                                    <p:cond delay="0"/>
+                                  </p:stCondLst>
+                                  <p:childTnLst>
+                                    <p:set>
+                                      <p:cBhvr>
+                                        <p:cTn id="14" dur="1" fill="hold">
+                                          <p:stCondLst>
+                                            <p:cond delay="0"/>
+                                          </p:stCondLst>
+                                        </p:cTn>
+                                        <p:tgtEl>
+                                          <p:spTgt spid="3">
+                                            <p:txEl>
+                                              <p:pRg st="2" end="2"/>
+                                            </p:txEl>
+                                          </p:spTgt>
+                                        </p:tgtEl>
+                                        <p:attrNameLst>
+                                          <p:attrName>style.visibility</p:attrName>
+                                        </p:attrNameLst>
+                                      </p:cBhvr>
+                                      <p:to>
+                                        <p:strVal val="visible"/>
+                                      </p:to>
+                                    </p:set>
+                                  </p:childTnLst>
+                                </p:cTn>
+                              </p:par>
+                            </p:childTnLst>
+                          </p:cTn>
+                        </p:par>
+                      </p:childTnLst>
+                    </p:cTn>
+                  </p:par>
+                  <p:par>
+                    <p:cTn id="15" fill="hold">
+                      <p:stCondLst>
+                        <p:cond delay="indefinite"/>
+                      </p:stCondLst>
+                      <p:childTnLst>
+                        <p:par>
+                          <p:cTn id="16" fill="hold">
+                            <p:stCondLst>
+                              <p:cond delay="0"/>
+                            </p:stCondLst>
+                            <p:childTnLst>
+                              <p:par>
+                                <p:cTn id="17" presetID="1" presetClass="entr" presetSubtype="0" fill="hold" grpId="0" nodeType="clickEffect">
+                                  <p:stCondLst>
+                                    <p:cond delay="0"/>
+                                  </p:stCondLst>
+                                  <p:childTnLst>
+                                    <p:set>
+                                      <p:cBhvr>
+                                        <p:cTn id="18" dur="1" fill="hold">
+                                          <p:stCondLst>
+                                            <p:cond delay="0"/>
+                                          </p:stCondLst>
+                                        </p:cTn>
+                                        <p:tgtEl>
+                                          <p:spTgt spid="3">
+                                            <p:txEl>
+                                              <p:pRg st="3" end="3"/>
+                                            </p:txEl>
+                                          </p:spTgt>
+                                        </p:tgtEl>
+                                        <p:attrNameLst>
+                                          <p:attrName>style.visibility</p:attrName>
+                                        </p:attrNameLst>
+                                      </p:cBhvr>
+                                      <p:to>
+                                        <p:strVal val="visible"/>
+                                      </p:to>
+                                    </p:set>
+                                  </p:childTnLst>
+                                </p:cTn>
+                              </p:par>
+                              <p:par>
+                                <p:cTn id="19" presetID="1" presetClass="entr" presetSubtype="0" fill="hold" grpId="0" nodeType="withEffect">
+                                  <p:stCondLst>
+                                    <p:cond delay="0"/>
+                                  </p:stCondLst>
+                                  <p:childTnLst>
+                                    <p:set>
+                                      <p:cBhvr>
+                                        <p:cTn id="20" dur="1" fill="hold">
+                                          <p:stCondLst>
+                                            <p:cond delay="0"/>
+                                          </p:stCondLst>
+                                        </p:cTn>
+                                        <p:tgtEl>
+                                          <p:spTgt spid="3">
+                                            <p:txEl>
+                                              <p:pRg st="4" end="4"/>
+                                            </p:txEl>
+                                          </p:spTgt>
+                                        </p:tgtEl>
+                                        <p:attrNameLst>
+                                          <p:attrName>style.visibility</p:attrName>
+                                        </p:attrNameLst>
+                                      </p:cBhvr>
+                                      <p:to>
+                                        <p:strVal val="visible"/>
+                                      </p:to>
+                                    </p:set>
+                                  </p:childTnLst>
+                                </p:cTn>
+                              </p:par>
+                              <p:par>
+                                <p:cTn id="21" presetID="1" presetClass="entr" presetSubtype="0" fill="hold" grpId="0" nodeType="withEffect">
+                                  <p:stCondLst>
+                                    <p:cond delay="0"/>
+                                  </p:stCondLst>
+                                  <p:childTnLst>
+                                    <p:set>
+                                      <p:cBhvr>
+                                        <p:cTn id="22" dur="1" fill="hold">
+                                          <p:stCondLst>
+                                            <p:cond delay="0"/>
+                                          </p:stCondLst>
+                                        </p:cTn>
+                                        <p:tgtEl>
+                                          <p:spTgt spid="3">
+                                            <p:txEl>
+                                              <p:pRg st="5" end="5"/>
+                                            </p:txEl>
+                                          </p:spTgt>
+                                        </p:tgtEl>
+                                        <p:attrNameLst>
+                                          <p:attrName>style.visibility</p:attrName>
+                                        </p:attrNameLst>
+                                      </p:cBhvr>
+                                      <p:to>
+                                        <p:strVal val="visible"/>
+                                      </p:to>
+                                    </p:set>
+                                  </p:childTnLst>
+                                </p:cTn>
+                              </p:par>
+                              <p:par>
+                                <p:cTn id="23" presetID="1" presetClass="entr" presetSubtype="0" fill="hold" grpId="0" nodeType="withEffect">
+                                  <p:stCondLst>
+                                    <p:cond delay="0"/>
+                                  </p:stCondLst>
+                                  <p:childTnLst>
+                                    <p:set>
+                                      <p:cBhvr>
+                                        <p:cTn id="24" dur="1" fill="hold">
+                                          <p:stCondLst>
+                                            <p:cond delay="0"/>
+                                          </p:stCondLst>
+                                        </p:cTn>
+                                        <p:tgtEl>
+                                          <p:spTgt spid="3">
+                                            <p:txEl>
+                                              <p:pRg st="6" end="6"/>
+                                            </p:txEl>
+                                          </p:spTgt>
+                                        </p:tgtEl>
+                                        <p:attrNameLst>
+                                          <p:attrName>style.visibility</p:attrName>
+                                        </p:attrNameLst>
+                                      </p:cBhvr>
+                                      <p:to>
+                                        <p:strVal val="visible"/>
+                                      </p:to>
+                                    </p:set>
+                                  </p:childTnLst>
+                                </p:cTn>
+                              </p:par>
+                              <p:par>
+                                <p:cTn id="25" presetID="1" presetClass="entr" presetSubtype="0" fill="hold" grpId="0" nodeType="withEffect">
+                                  <p:stCondLst>
+                                    <p:cond delay="0"/>
+                                  </p:stCondLst>
+                                  <p:childTnLst>
+                                    <p:set>
+                                      <p:cBhvr>
+                                        <p:cTn id="26" dur="1" fill="hold">
+                                          <p:stCondLst>
+                                            <p:cond delay="0"/>
+                                          </p:stCondLst>
+                                        </p:cTn>
+                                        <p:tgtEl>
+                                          <p:spTgt spid="3">
+                                            <p:txEl>
+                                              <p:pRg st="7" end="7"/>
+                                            </p:txEl>
+                                          </p:spTgt>
+                                        </p:tgtEl>
+                                        <p:attrNameLst>
+                                          <p:attrName>style.visibility</p:attrName>
+                                        </p:attrNameLst>
+                                      </p:cBhvr>
+                                      <p:to>
+                                        <p:strVal val="visible"/>
+                                      </p:to>
+                                    </p:set>
+                                  </p:childTnLst>
+                                </p:cTn>
+                              </p:par>
+                              <p:par>
+                                <p:cTn id="27" presetID="1" presetClass="entr" presetSubtype="0" fill="hold" grpId="0" nodeType="withEffect">
+                                  <p:stCondLst>
+                                    <p:cond delay="0"/>
+                                  </p:stCondLst>
+                                  <p:childTnLst>
+                                    <p:set>
+                                      <p:cBhvr>
+                                        <p:cTn id="28" dur="1" fill="hold">
+                                          <p:stCondLst>
+                                            <p:cond delay="0"/>
+                                          </p:stCondLst>
+                                        </p:cTn>
+                                        <p:tgtEl>
+                                          <p:spTgt spid="3">
+                                            <p:txEl>
+                                              <p:pRg st="8" end="8"/>
+                                            </p:txEl>
+                                          </p:spTgt>
+                                        </p:tgtEl>
+                                        <p:attrNameLst>
+                                          <p:attrName>style.visibility</p:attrName>
+                                        </p:attrNameLst>
+                                      </p:cBhvr>
+                                      <p:to>
+                                        <p:strVal val="visible"/>
+                                      </p:to>
+                                    </p:set>
+                                  </p:childTnLst>
+                                </p:cTn>
+                              </p:par>
+                            </p:childTnLst>
+                          </p:cTn>
+                        </p:par>
+                      </p:childTnLst>
+                    </p:cTn>
+                  </p:par>
+                  <p:par>
+                    <p:cTn id="29" fill="hold">
+                      <p:stCondLst>
+                        <p:cond delay="indefinite"/>
+                      </p:stCondLst>
+                      <p:childTnLst>
+                        <p:par>
+                          <p:cTn id="30" fill="hold">
+                            <p:stCondLst>
+                              <p:cond delay="0"/>
+                            </p:stCondLst>
+                            <p:childTnLst>
+                              <p:par>
+                                <p:cTn id="31" presetID="1" presetClass="entr" presetSubtype="0" fill="hold" grpId="0" nodeType="clickEffect">
+                                  <p:stCondLst>
+                                    <p:cond delay="0"/>
+                                  </p:stCondLst>
+                                  <p:childTnLst>
+                                    <p:set>
+                                      <p:cBhvr>
+                                        <p:cTn id="32" dur="1" fill="hold">
+                                          <p:stCondLst>
+                                            <p:cond delay="0"/>
+                                          </p:stCondLst>
+                                        </p:cTn>
+                                        <p:tgtEl>
+                                          <p:spTgt spid="3">
+                                            <p:txEl>
+                                              <p:pRg st="9" end="9"/>
+                                            </p:txEl>
+                                          </p:spTgt>
+                                        </p:tgtEl>
+                                        <p:attrNameLst>
+                                          <p:attrName>style.visibility</p:attrName>
+                                        </p:attrNameLst>
+                                      </p:cBhvr>
+                                      <p:to>
+                                        <p:strVal val="visible"/>
+                                      </p:to>
+                                    </p:set>
+                                  </p:childTnLst>
+                                </p:cTn>
+                              </p:par>
+                            </p:childTnLst>
+                          </p:cTn>
+                        </p:par>
+                      </p:childTnLst>
+                    </p:cTn>
+                  </p:par>
+                </p:childTnLst>
+              </p:cTn>
+              <p:prevCondLst>
+                <p:cond evt="onPrev" delay="0">
+                  <p:tgtEl>
+                    <p:sldTgt/>
+                  </p:tgtEl>
+                </p:cond>
+              </p:prevCondLst>
+              <p:nextCondLst>
+                <p:cond evt="onNext" delay="0">
+                  <p:tgtEl>
+                    <p:sldTgt/>
+                  </p:tgtEl>
+                </p:cond>
+              </p:nextCondLst>
+            </p:seq>
+          </p:childTnLst>
+        </p:cTn>
       </p:par>
     </p:tnLst>
+    <p:bldLst>
+      <p:bldP spid="3" grpId="0" build="p"/>
+    </p:bldLst>
   </p:timing>
 </p:sld>
 </file>
@@ -8469,9 +11278,465 @@
   <p:timing>
     <p:tnLst>
       <p:par>
-        <p:cTn id="1" dur="indefinite" restart="never" nodeType="tmRoot"/>
+        <p:cTn id="1" dur="indefinite" restart="never" nodeType="tmRoot">
+          <p:childTnLst>
+            <p:seq concurrent="1" nextAc="seek">
+              <p:cTn id="2" dur="indefinite" nodeType="mainSeq">
+                <p:childTnLst>
+                  <p:par>
+                    <p:cTn id="3" fill="hold">
+                      <p:stCondLst>
+                        <p:cond delay="indefinite"/>
+                      </p:stCondLst>
+                      <p:childTnLst>
+                        <p:par>
+                          <p:cTn id="4" fill="hold">
+                            <p:stCondLst>
+                              <p:cond delay="0"/>
+                            </p:stCondLst>
+                            <p:childTnLst>
+                              <p:par>
+                                <p:cTn id="5" presetID="1" presetClass="entr" presetSubtype="0" fill="hold" grpId="0" nodeType="clickEffect">
+                                  <p:stCondLst>
+                                    <p:cond delay="0"/>
+                                  </p:stCondLst>
+                                  <p:childTnLst>
+                                    <p:set>
+                                      <p:cBhvr>
+                                        <p:cTn id="6" dur="1" fill="hold">
+                                          <p:stCondLst>
+                                            <p:cond delay="0"/>
+                                          </p:stCondLst>
+                                        </p:cTn>
+                                        <p:tgtEl>
+                                          <p:spTgt spid="3">
+                                            <p:txEl>
+                                              <p:pRg st="0" end="0"/>
+                                            </p:txEl>
+                                          </p:spTgt>
+                                        </p:tgtEl>
+                                        <p:attrNameLst>
+                                          <p:attrName>style.visibility</p:attrName>
+                                        </p:attrNameLst>
+                                      </p:cBhvr>
+                                      <p:to>
+                                        <p:strVal val="visible"/>
+                                      </p:to>
+                                    </p:set>
+                                  </p:childTnLst>
+                                </p:cTn>
+                              </p:par>
+                            </p:childTnLst>
+                          </p:cTn>
+                        </p:par>
+                      </p:childTnLst>
+                    </p:cTn>
+                  </p:par>
+                  <p:par>
+                    <p:cTn id="7" fill="hold">
+                      <p:stCondLst>
+                        <p:cond delay="indefinite"/>
+                      </p:stCondLst>
+                      <p:childTnLst>
+                        <p:par>
+                          <p:cTn id="8" fill="hold">
+                            <p:stCondLst>
+                              <p:cond delay="0"/>
+                            </p:stCondLst>
+                            <p:childTnLst>
+                              <p:par>
+                                <p:cTn id="9" presetID="1" presetClass="entr" presetSubtype="0" fill="hold" grpId="0" nodeType="clickEffect">
+                                  <p:stCondLst>
+                                    <p:cond delay="0"/>
+                                  </p:stCondLst>
+                                  <p:childTnLst>
+                                    <p:set>
+                                      <p:cBhvr>
+                                        <p:cTn id="10" dur="1" fill="hold">
+                                          <p:stCondLst>
+                                            <p:cond delay="0"/>
+                                          </p:stCondLst>
+                                        </p:cTn>
+                                        <p:tgtEl>
+                                          <p:spTgt spid="4"/>
+                                        </p:tgtEl>
+                                        <p:attrNameLst>
+                                          <p:attrName>style.visibility</p:attrName>
+                                        </p:attrNameLst>
+                                      </p:cBhvr>
+                                      <p:to>
+                                        <p:strVal val="visible"/>
+                                      </p:to>
+                                    </p:set>
+                                  </p:childTnLst>
+                                </p:cTn>
+                              </p:par>
+                            </p:childTnLst>
+                          </p:cTn>
+                        </p:par>
+                      </p:childTnLst>
+                    </p:cTn>
+                  </p:par>
+                  <p:par>
+                    <p:cTn id="11" fill="hold">
+                      <p:stCondLst>
+                        <p:cond delay="indefinite"/>
+                      </p:stCondLst>
+                      <p:childTnLst>
+                        <p:par>
+                          <p:cTn id="12" fill="hold">
+                            <p:stCondLst>
+                              <p:cond delay="0"/>
+                            </p:stCondLst>
+                            <p:childTnLst>
+                              <p:par>
+                                <p:cTn id="13" presetID="1" presetClass="entr" presetSubtype="0" fill="hold" grpId="0" nodeType="clickEffect">
+                                  <p:stCondLst>
+                                    <p:cond delay="0"/>
+                                  </p:stCondLst>
+                                  <p:childTnLst>
+                                    <p:set>
+                                      <p:cBhvr>
+                                        <p:cTn id="14" dur="1" fill="hold">
+                                          <p:stCondLst>
+                                            <p:cond delay="0"/>
+                                          </p:stCondLst>
+                                        </p:cTn>
+                                        <p:tgtEl>
+                                          <p:spTgt spid="3">
+                                            <p:txEl>
+                                              <p:pRg st="2" end="2"/>
+                                            </p:txEl>
+                                          </p:spTgt>
+                                        </p:tgtEl>
+                                        <p:attrNameLst>
+                                          <p:attrName>style.visibility</p:attrName>
+                                        </p:attrNameLst>
+                                      </p:cBhvr>
+                                      <p:to>
+                                        <p:strVal val="visible"/>
+                                      </p:to>
+                                    </p:set>
+                                  </p:childTnLst>
+                                </p:cTn>
+                              </p:par>
+                            </p:childTnLst>
+                          </p:cTn>
+                        </p:par>
+                      </p:childTnLst>
+                    </p:cTn>
+                  </p:par>
+                  <p:par>
+                    <p:cTn id="15" fill="hold">
+                      <p:stCondLst>
+                        <p:cond delay="indefinite"/>
+                      </p:stCondLst>
+                      <p:childTnLst>
+                        <p:par>
+                          <p:cTn id="16" fill="hold">
+                            <p:stCondLst>
+                              <p:cond delay="0"/>
+                            </p:stCondLst>
+                            <p:childTnLst>
+                              <p:par>
+                                <p:cTn id="17" presetID="1" presetClass="entr" presetSubtype="0" fill="hold" grpId="0" nodeType="clickEffect">
+                                  <p:stCondLst>
+                                    <p:cond delay="0"/>
+                                  </p:stCondLst>
+                                  <p:childTnLst>
+                                    <p:set>
+                                      <p:cBhvr>
+                                        <p:cTn id="18" dur="1" fill="hold">
+                                          <p:stCondLst>
+                                            <p:cond delay="0"/>
+                                          </p:stCondLst>
+                                        </p:cTn>
+                                        <p:tgtEl>
+                                          <p:spTgt spid="3">
+                                            <p:txEl>
+                                              <p:pRg st="3" end="3"/>
+                                            </p:txEl>
+                                          </p:spTgt>
+                                        </p:tgtEl>
+                                        <p:attrNameLst>
+                                          <p:attrName>style.visibility</p:attrName>
+                                        </p:attrNameLst>
+                                      </p:cBhvr>
+                                      <p:to>
+                                        <p:strVal val="visible"/>
+                                      </p:to>
+                                    </p:set>
+                                  </p:childTnLst>
+                                </p:cTn>
+                              </p:par>
+                            </p:childTnLst>
+                          </p:cTn>
+                        </p:par>
+                      </p:childTnLst>
+                    </p:cTn>
+                  </p:par>
+                  <p:par>
+                    <p:cTn id="19" fill="hold">
+                      <p:stCondLst>
+                        <p:cond delay="indefinite"/>
+                      </p:stCondLst>
+                      <p:childTnLst>
+                        <p:par>
+                          <p:cTn id="20" fill="hold">
+                            <p:stCondLst>
+                              <p:cond delay="0"/>
+                            </p:stCondLst>
+                            <p:childTnLst>
+                              <p:par>
+                                <p:cTn id="21" presetID="1" presetClass="entr" presetSubtype="0" fill="hold" grpId="0" nodeType="clickEffect">
+                                  <p:stCondLst>
+                                    <p:cond delay="0"/>
+                                  </p:stCondLst>
+                                  <p:childTnLst>
+                                    <p:set>
+                                      <p:cBhvr>
+                                        <p:cTn id="22" dur="1" fill="hold">
+                                          <p:stCondLst>
+                                            <p:cond delay="0"/>
+                                          </p:stCondLst>
+                                        </p:cTn>
+                                        <p:tgtEl>
+                                          <p:spTgt spid="3">
+                                            <p:txEl>
+                                              <p:pRg st="4" end="4"/>
+                                            </p:txEl>
+                                          </p:spTgt>
+                                        </p:tgtEl>
+                                        <p:attrNameLst>
+                                          <p:attrName>style.visibility</p:attrName>
+                                        </p:attrNameLst>
+                                      </p:cBhvr>
+                                      <p:to>
+                                        <p:strVal val="visible"/>
+                                      </p:to>
+                                    </p:set>
+                                  </p:childTnLst>
+                                </p:cTn>
+                              </p:par>
+                            </p:childTnLst>
+                          </p:cTn>
+                        </p:par>
+                      </p:childTnLst>
+                    </p:cTn>
+                  </p:par>
+                  <p:par>
+                    <p:cTn id="23" fill="hold">
+                      <p:stCondLst>
+                        <p:cond delay="indefinite"/>
+                      </p:stCondLst>
+                      <p:childTnLst>
+                        <p:par>
+                          <p:cTn id="24" fill="hold">
+                            <p:stCondLst>
+                              <p:cond delay="0"/>
+                            </p:stCondLst>
+                            <p:childTnLst>
+                              <p:par>
+                                <p:cTn id="25" presetID="1" presetClass="entr" presetSubtype="0" fill="hold" nodeType="clickEffect">
+                                  <p:stCondLst>
+                                    <p:cond delay="0"/>
+                                  </p:stCondLst>
+                                  <p:childTnLst>
+                                    <p:set>
+                                      <p:cBhvr>
+                                        <p:cTn id="26" dur="1" fill="hold">
+                                          <p:stCondLst>
+                                            <p:cond delay="0"/>
+                                          </p:stCondLst>
+                                        </p:cTn>
+                                        <p:tgtEl>
+                                          <p:spTgt spid="7"/>
+                                        </p:tgtEl>
+                                        <p:attrNameLst>
+                                          <p:attrName>style.visibility</p:attrName>
+                                        </p:attrNameLst>
+                                      </p:cBhvr>
+                                      <p:to>
+                                        <p:strVal val="visible"/>
+                                      </p:to>
+                                    </p:set>
+                                  </p:childTnLst>
+                                </p:cTn>
+                              </p:par>
+                            </p:childTnLst>
+                          </p:cTn>
+                        </p:par>
+                      </p:childTnLst>
+                    </p:cTn>
+                  </p:par>
+                  <p:par>
+                    <p:cTn id="27" fill="hold">
+                      <p:stCondLst>
+                        <p:cond delay="indefinite"/>
+                      </p:stCondLst>
+                      <p:childTnLst>
+                        <p:par>
+                          <p:cTn id="28" fill="hold">
+                            <p:stCondLst>
+                              <p:cond delay="0"/>
+                            </p:stCondLst>
+                            <p:childTnLst>
+                              <p:par>
+                                <p:cTn id="29" presetID="1" presetClass="entr" presetSubtype="0" fill="hold" grpId="0" nodeType="clickEffect">
+                                  <p:stCondLst>
+                                    <p:cond delay="0"/>
+                                  </p:stCondLst>
+                                  <p:childTnLst>
+                                    <p:set>
+                                      <p:cBhvr>
+                                        <p:cTn id="30" dur="1" fill="hold">
+                                          <p:stCondLst>
+                                            <p:cond delay="0"/>
+                                          </p:stCondLst>
+                                        </p:cTn>
+                                        <p:tgtEl>
+                                          <p:spTgt spid="3">
+                                            <p:txEl>
+                                              <p:pRg st="5" end="5"/>
+                                            </p:txEl>
+                                          </p:spTgt>
+                                        </p:tgtEl>
+                                        <p:attrNameLst>
+                                          <p:attrName>style.visibility</p:attrName>
+                                        </p:attrNameLst>
+                                      </p:cBhvr>
+                                      <p:to>
+                                        <p:strVal val="visible"/>
+                                      </p:to>
+                                    </p:set>
+                                  </p:childTnLst>
+                                </p:cTn>
+                              </p:par>
+                            </p:childTnLst>
+                          </p:cTn>
+                        </p:par>
+                      </p:childTnLst>
+                    </p:cTn>
+                  </p:par>
+                  <p:par>
+                    <p:cTn id="31" fill="hold">
+                      <p:stCondLst>
+                        <p:cond delay="indefinite"/>
+                      </p:stCondLst>
+                      <p:childTnLst>
+                        <p:par>
+                          <p:cTn id="32" fill="hold">
+                            <p:stCondLst>
+                              <p:cond delay="0"/>
+                            </p:stCondLst>
+                            <p:childTnLst>
+                              <p:par>
+                                <p:cTn id="33" presetID="1" presetClass="entr" presetSubtype="0" fill="hold" grpId="0" nodeType="clickEffect">
+                                  <p:stCondLst>
+                                    <p:cond delay="0"/>
+                                  </p:stCondLst>
+                                  <p:childTnLst>
+                                    <p:set>
+                                      <p:cBhvr>
+                                        <p:cTn id="34" dur="1" fill="hold">
+                                          <p:stCondLst>
+                                            <p:cond delay="0"/>
+                                          </p:stCondLst>
+                                        </p:cTn>
+                                        <p:tgtEl>
+                                          <p:spTgt spid="3">
+                                            <p:txEl>
+                                              <p:pRg st="6" end="6"/>
+                                            </p:txEl>
+                                          </p:spTgt>
+                                        </p:tgtEl>
+                                        <p:attrNameLst>
+                                          <p:attrName>style.visibility</p:attrName>
+                                        </p:attrNameLst>
+                                      </p:cBhvr>
+                                      <p:to>
+                                        <p:strVal val="visible"/>
+                                      </p:to>
+                                    </p:set>
+                                  </p:childTnLst>
+                                </p:cTn>
+                              </p:par>
+                            </p:childTnLst>
+                          </p:cTn>
+                        </p:par>
+                      </p:childTnLst>
+                    </p:cTn>
+                  </p:par>
+                  <p:par>
+                    <p:cTn id="35" fill="hold">
+                      <p:stCondLst>
+                        <p:cond delay="indefinite"/>
+                      </p:stCondLst>
+                      <p:childTnLst>
+                        <p:par>
+                          <p:cTn id="36" fill="hold">
+                            <p:stCondLst>
+                              <p:cond delay="0"/>
+                            </p:stCondLst>
+                            <p:childTnLst>
+                              <p:par>
+                                <p:cTn id="37" presetID="1" presetClass="entr" presetSubtype="0" fill="hold" nodeType="clickEffect">
+                                  <p:stCondLst>
+                                    <p:cond delay="0"/>
+                                  </p:stCondLst>
+                                  <p:childTnLst>
+                                    <p:set>
+                                      <p:cBhvr>
+                                        <p:cTn id="38" dur="1" fill="hold">
+                                          <p:stCondLst>
+                                            <p:cond delay="0"/>
+                                          </p:stCondLst>
+                                        </p:cTn>
+                                        <p:tgtEl>
+                                          <p:spTgt spid="8"/>
+                                        </p:tgtEl>
+                                        <p:attrNameLst>
+                                          <p:attrName>style.visibility</p:attrName>
+                                        </p:attrNameLst>
+                                      </p:cBhvr>
+                                      <p:to>
+                                        <p:strVal val="visible"/>
+                                      </p:to>
+                                    </p:set>
+                                  </p:childTnLst>
+                                </p:cTn>
+                              </p:par>
+                            </p:childTnLst>
+                          </p:cTn>
+                        </p:par>
+                      </p:childTnLst>
+                    </p:cTn>
+                  </p:par>
+                </p:childTnLst>
+              </p:cTn>
+              <p:prevCondLst>
+                <p:cond evt="onPrev" delay="0">
+                  <p:tgtEl>
+                    <p:sldTgt/>
+                  </p:tgtEl>
+                </p:cond>
+              </p:prevCondLst>
+              <p:nextCondLst>
+                <p:cond evt="onNext" delay="0">
+                  <p:tgtEl>
+                    <p:sldTgt/>
+                  </p:tgtEl>
+                </p:cond>
+              </p:nextCondLst>
+            </p:seq>
+          </p:childTnLst>
+        </p:cTn>
       </p:par>
     </p:tnLst>
+    <p:bldLst>
+      <p:bldP spid="3" grpId="0" uiExpand="1" build="p"/>
+      <p:bldP spid="4" grpId="0" animBg="1"/>
+    </p:bldLst>
   </p:timing>
 </p:sld>
 </file>
@@ -8901,9 +12166,277 @@
   <p:timing>
     <p:tnLst>
       <p:par>
-        <p:cTn id="1" dur="indefinite" restart="never" nodeType="tmRoot"/>
+        <p:cTn id="1" dur="indefinite" restart="never" nodeType="tmRoot">
+          <p:childTnLst>
+            <p:seq concurrent="1" nextAc="seek">
+              <p:cTn id="2" dur="indefinite" nodeType="mainSeq">
+                <p:childTnLst>
+                  <p:par>
+                    <p:cTn id="3" fill="hold">
+                      <p:stCondLst>
+                        <p:cond delay="indefinite"/>
+                      </p:stCondLst>
+                      <p:childTnLst>
+                        <p:par>
+                          <p:cTn id="4" fill="hold">
+                            <p:stCondLst>
+                              <p:cond delay="0"/>
+                            </p:stCondLst>
+                            <p:childTnLst>
+                              <p:par>
+                                <p:cTn id="5" presetID="1" presetClass="entr" presetSubtype="0" fill="hold" grpId="0" nodeType="clickEffect">
+                                  <p:stCondLst>
+                                    <p:cond delay="0"/>
+                                  </p:stCondLst>
+                                  <p:childTnLst>
+                                    <p:set>
+                                      <p:cBhvr>
+                                        <p:cTn id="6" dur="1" fill="hold">
+                                          <p:stCondLst>
+                                            <p:cond delay="0"/>
+                                          </p:stCondLst>
+                                        </p:cTn>
+                                        <p:tgtEl>
+                                          <p:spTgt spid="3">
+                                            <p:txEl>
+                                              <p:pRg st="0" end="0"/>
+                                            </p:txEl>
+                                          </p:spTgt>
+                                        </p:tgtEl>
+                                        <p:attrNameLst>
+                                          <p:attrName>style.visibility</p:attrName>
+                                        </p:attrNameLst>
+                                      </p:cBhvr>
+                                      <p:to>
+                                        <p:strVal val="visible"/>
+                                      </p:to>
+                                    </p:set>
+                                  </p:childTnLst>
+                                </p:cTn>
+                              </p:par>
+                            </p:childTnLst>
+                          </p:cTn>
+                        </p:par>
+                      </p:childTnLst>
+                    </p:cTn>
+                  </p:par>
+                  <p:par>
+                    <p:cTn id="7" fill="hold">
+                      <p:stCondLst>
+                        <p:cond delay="indefinite"/>
+                      </p:stCondLst>
+                      <p:childTnLst>
+                        <p:par>
+                          <p:cTn id="8" fill="hold">
+                            <p:stCondLst>
+                              <p:cond delay="0"/>
+                            </p:stCondLst>
+                            <p:childTnLst>
+                              <p:par>
+                                <p:cTn id="9" presetID="1" presetClass="entr" presetSubtype="0" fill="hold" grpId="0" nodeType="clickEffect">
+                                  <p:stCondLst>
+                                    <p:cond delay="0"/>
+                                  </p:stCondLst>
+                                  <p:childTnLst>
+                                    <p:set>
+                                      <p:cBhvr>
+                                        <p:cTn id="10" dur="1" fill="hold">
+                                          <p:stCondLst>
+                                            <p:cond delay="0"/>
+                                          </p:stCondLst>
+                                        </p:cTn>
+                                        <p:tgtEl>
+                                          <p:spTgt spid="4"/>
+                                        </p:tgtEl>
+                                        <p:attrNameLst>
+                                          <p:attrName>style.visibility</p:attrName>
+                                        </p:attrNameLst>
+                                      </p:cBhvr>
+                                      <p:to>
+                                        <p:strVal val="visible"/>
+                                      </p:to>
+                                    </p:set>
+                                  </p:childTnLst>
+                                </p:cTn>
+                              </p:par>
+                            </p:childTnLst>
+                          </p:cTn>
+                        </p:par>
+                      </p:childTnLst>
+                    </p:cTn>
+                  </p:par>
+                  <p:par>
+                    <p:cTn id="11" fill="hold">
+                      <p:stCondLst>
+                        <p:cond delay="indefinite"/>
+                      </p:stCondLst>
+                      <p:childTnLst>
+                        <p:par>
+                          <p:cTn id="12" fill="hold">
+                            <p:stCondLst>
+                              <p:cond delay="0"/>
+                            </p:stCondLst>
+                            <p:childTnLst>
+                              <p:par>
+                                <p:cTn id="13" presetID="1" presetClass="entr" presetSubtype="0" fill="hold" grpId="0" nodeType="clickEffect">
+                                  <p:stCondLst>
+                                    <p:cond delay="0"/>
+                                  </p:stCondLst>
+                                  <p:childTnLst>
+                                    <p:set>
+                                      <p:cBhvr>
+                                        <p:cTn id="14" dur="1" fill="hold">
+                                          <p:stCondLst>
+                                            <p:cond delay="0"/>
+                                          </p:stCondLst>
+                                        </p:cTn>
+                                        <p:tgtEl>
+                                          <p:spTgt spid="3">
+                                            <p:txEl>
+                                              <p:pRg st="2" end="2"/>
+                                            </p:txEl>
+                                          </p:spTgt>
+                                        </p:tgtEl>
+                                        <p:attrNameLst>
+                                          <p:attrName>style.visibility</p:attrName>
+                                        </p:attrNameLst>
+                                      </p:cBhvr>
+                                      <p:to>
+                                        <p:strVal val="visible"/>
+                                      </p:to>
+                                    </p:set>
+                                  </p:childTnLst>
+                                </p:cTn>
+                              </p:par>
+                            </p:childTnLst>
+                          </p:cTn>
+                        </p:par>
+                      </p:childTnLst>
+                    </p:cTn>
+                  </p:par>
+                  <p:par>
+                    <p:cTn id="15" fill="hold">
+                      <p:stCondLst>
+                        <p:cond delay="indefinite"/>
+                      </p:stCondLst>
+                      <p:childTnLst>
+                        <p:par>
+                          <p:cTn id="16" fill="hold">
+                            <p:stCondLst>
+                              <p:cond delay="0"/>
+                            </p:stCondLst>
+                            <p:childTnLst>
+                              <p:par>
+                                <p:cTn id="17" presetID="1" presetClass="entr" presetSubtype="0" fill="hold" grpId="0" nodeType="clickEffect">
+                                  <p:stCondLst>
+                                    <p:cond delay="0"/>
+                                  </p:stCondLst>
+                                  <p:childTnLst>
+                                    <p:set>
+                                      <p:cBhvr>
+                                        <p:cTn id="18" dur="1" fill="hold">
+                                          <p:stCondLst>
+                                            <p:cond delay="0"/>
+                                          </p:stCondLst>
+                                        </p:cTn>
+                                        <p:tgtEl>
+                                          <p:spTgt spid="3">
+                                            <p:txEl>
+                                              <p:pRg st="3" end="3"/>
+                                            </p:txEl>
+                                          </p:spTgt>
+                                        </p:tgtEl>
+                                        <p:attrNameLst>
+                                          <p:attrName>style.visibility</p:attrName>
+                                        </p:attrNameLst>
+                                      </p:cBhvr>
+                                      <p:to>
+                                        <p:strVal val="visible"/>
+                                      </p:to>
+                                    </p:set>
+                                  </p:childTnLst>
+                                </p:cTn>
+                              </p:par>
+                            </p:childTnLst>
+                          </p:cTn>
+                        </p:par>
+                      </p:childTnLst>
+                    </p:cTn>
+                  </p:par>
+                  <p:par>
+                    <p:cTn id="19" fill="hold">
+                      <p:stCondLst>
+                        <p:cond delay="indefinite"/>
+                      </p:stCondLst>
+                      <p:childTnLst>
+                        <p:par>
+                          <p:cTn id="20" fill="hold">
+                            <p:stCondLst>
+                              <p:cond delay="0"/>
+                            </p:stCondLst>
+                            <p:childTnLst>
+                              <p:par>
+                                <p:cTn id="21" presetID="1" presetClass="entr" presetSubtype="0" fill="hold" grpId="0" nodeType="clickEffect">
+                                  <p:stCondLst>
+                                    <p:cond delay="0"/>
+                                  </p:stCondLst>
+                                  <p:childTnLst>
+                                    <p:set>
+                                      <p:cBhvr>
+                                        <p:cTn id="22" dur="1" fill="hold">
+                                          <p:stCondLst>
+                                            <p:cond delay="0"/>
+                                          </p:stCondLst>
+                                        </p:cTn>
+                                        <p:tgtEl>
+                                          <p:spTgt spid="3">
+                                            <p:txEl>
+                                              <p:pRg st="4" end="4"/>
+                                            </p:txEl>
+                                          </p:spTgt>
+                                        </p:tgtEl>
+                                        <p:attrNameLst>
+                                          <p:attrName>style.visibility</p:attrName>
+                                        </p:attrNameLst>
+                                      </p:cBhvr>
+                                      <p:to>
+                                        <p:strVal val="visible"/>
+                                      </p:to>
+                                    </p:set>
+                                  </p:childTnLst>
+                                </p:cTn>
+                              </p:par>
+                            </p:childTnLst>
+                          </p:cTn>
+                        </p:par>
+                      </p:childTnLst>
+                    </p:cTn>
+                  </p:par>
+                </p:childTnLst>
+              </p:cTn>
+              <p:prevCondLst>
+                <p:cond evt="onPrev" delay="0">
+                  <p:tgtEl>
+                    <p:sldTgt/>
+                  </p:tgtEl>
+                </p:cond>
+              </p:prevCondLst>
+              <p:nextCondLst>
+                <p:cond evt="onNext" delay="0">
+                  <p:tgtEl>
+                    <p:sldTgt/>
+                  </p:tgtEl>
+                </p:cond>
+              </p:nextCondLst>
+            </p:seq>
+          </p:childTnLst>
+        </p:cTn>
       </p:par>
     </p:tnLst>
+    <p:bldLst>
+      <p:bldP spid="3" grpId="0" uiExpand="1" build="p"/>
+      <p:bldP spid="4" grpId="0" animBg="1"/>
+    </p:bldLst>
   </p:timing>
 </p:sld>
 </file>
@@ -9148,9 +12681,378 @@
   <p:timing>
     <p:tnLst>
       <p:par>
-        <p:cTn id="1" dur="indefinite" restart="never" nodeType="tmRoot"/>
+        <p:cTn id="1" dur="indefinite" restart="never" nodeType="tmRoot">
+          <p:childTnLst>
+            <p:seq concurrent="1" nextAc="seek">
+              <p:cTn id="2" dur="indefinite" nodeType="mainSeq">
+                <p:childTnLst>
+                  <p:par>
+                    <p:cTn id="3" fill="hold">
+                      <p:stCondLst>
+                        <p:cond delay="indefinite"/>
+                      </p:stCondLst>
+                      <p:childTnLst>
+                        <p:par>
+                          <p:cTn id="4" fill="hold">
+                            <p:stCondLst>
+                              <p:cond delay="0"/>
+                            </p:stCondLst>
+                            <p:childTnLst>
+                              <p:par>
+                                <p:cTn id="5" presetID="1" presetClass="entr" presetSubtype="0" fill="hold" grpId="0" nodeType="clickEffect">
+                                  <p:stCondLst>
+                                    <p:cond delay="0"/>
+                                  </p:stCondLst>
+                                  <p:childTnLst>
+                                    <p:set>
+                                      <p:cBhvr>
+                                        <p:cTn id="6" dur="1" fill="hold">
+                                          <p:stCondLst>
+                                            <p:cond delay="0"/>
+                                          </p:stCondLst>
+                                        </p:cTn>
+                                        <p:tgtEl>
+                                          <p:spTgt spid="3">
+                                            <p:txEl>
+                                              <p:pRg st="0" end="0"/>
+                                            </p:txEl>
+                                          </p:spTgt>
+                                        </p:tgtEl>
+                                        <p:attrNameLst>
+                                          <p:attrName>style.visibility</p:attrName>
+                                        </p:attrNameLst>
+                                      </p:cBhvr>
+                                      <p:to>
+                                        <p:strVal val="visible"/>
+                                      </p:to>
+                                    </p:set>
+                                  </p:childTnLst>
+                                </p:cTn>
+                              </p:par>
+                            </p:childTnLst>
+                          </p:cTn>
+                        </p:par>
+                      </p:childTnLst>
+                    </p:cTn>
+                  </p:par>
+                  <p:par>
+                    <p:cTn id="7" fill="hold">
+                      <p:stCondLst>
+                        <p:cond delay="indefinite"/>
+                      </p:stCondLst>
+                      <p:childTnLst>
+                        <p:par>
+                          <p:cTn id="8" fill="hold">
+                            <p:stCondLst>
+                              <p:cond delay="0"/>
+                            </p:stCondLst>
+                            <p:childTnLst>
+                              <p:par>
+                                <p:cTn id="9" presetID="1" presetClass="entr" presetSubtype="0" fill="hold" grpId="0" nodeType="clickEffect">
+                                  <p:stCondLst>
+                                    <p:cond delay="0"/>
+                                  </p:stCondLst>
+                                  <p:childTnLst>
+                                    <p:set>
+                                      <p:cBhvr>
+                                        <p:cTn id="10" dur="1" fill="hold">
+                                          <p:stCondLst>
+                                            <p:cond delay="0"/>
+                                          </p:stCondLst>
+                                        </p:cTn>
+                                        <p:tgtEl>
+                                          <p:spTgt spid="3">
+                                            <p:txEl>
+                                              <p:pRg st="1" end="1"/>
+                                            </p:txEl>
+                                          </p:spTgt>
+                                        </p:tgtEl>
+                                        <p:attrNameLst>
+                                          <p:attrName>style.visibility</p:attrName>
+                                        </p:attrNameLst>
+                                      </p:cBhvr>
+                                      <p:to>
+                                        <p:strVal val="visible"/>
+                                      </p:to>
+                                    </p:set>
+                                  </p:childTnLst>
+                                </p:cTn>
+                              </p:par>
+                            </p:childTnLst>
+                          </p:cTn>
+                        </p:par>
+                      </p:childTnLst>
+                    </p:cTn>
+                  </p:par>
+                  <p:par>
+                    <p:cTn id="11" fill="hold">
+                      <p:stCondLst>
+                        <p:cond delay="indefinite"/>
+                      </p:stCondLst>
+                      <p:childTnLst>
+                        <p:par>
+                          <p:cTn id="12" fill="hold">
+                            <p:stCondLst>
+                              <p:cond delay="0"/>
+                            </p:stCondLst>
+                            <p:childTnLst>
+                              <p:par>
+                                <p:cTn id="13" presetID="1" presetClass="entr" presetSubtype="0" fill="hold" grpId="0" nodeType="clickEffect">
+                                  <p:stCondLst>
+                                    <p:cond delay="0"/>
+                                  </p:stCondLst>
+                                  <p:childTnLst>
+                                    <p:set>
+                                      <p:cBhvr>
+                                        <p:cTn id="14" dur="1" fill="hold">
+                                          <p:stCondLst>
+                                            <p:cond delay="0"/>
+                                          </p:stCondLst>
+                                        </p:cTn>
+                                        <p:tgtEl>
+                                          <p:spTgt spid="3">
+                                            <p:txEl>
+                                              <p:pRg st="2" end="2"/>
+                                            </p:txEl>
+                                          </p:spTgt>
+                                        </p:tgtEl>
+                                        <p:attrNameLst>
+                                          <p:attrName>style.visibility</p:attrName>
+                                        </p:attrNameLst>
+                                      </p:cBhvr>
+                                      <p:to>
+                                        <p:strVal val="visible"/>
+                                      </p:to>
+                                    </p:set>
+                                  </p:childTnLst>
+                                </p:cTn>
+                              </p:par>
+                            </p:childTnLst>
+                          </p:cTn>
+                        </p:par>
+                      </p:childTnLst>
+                    </p:cTn>
+                  </p:par>
+                  <p:par>
+                    <p:cTn id="15" fill="hold">
+                      <p:stCondLst>
+                        <p:cond delay="indefinite"/>
+                      </p:stCondLst>
+                      <p:childTnLst>
+                        <p:par>
+                          <p:cTn id="16" fill="hold">
+                            <p:stCondLst>
+                              <p:cond delay="0"/>
+                            </p:stCondLst>
+                            <p:childTnLst>
+                              <p:par>
+                                <p:cTn id="17" presetID="1" presetClass="entr" presetSubtype="0" fill="hold" grpId="0" nodeType="clickEffect">
+                                  <p:stCondLst>
+                                    <p:cond delay="0"/>
+                                  </p:stCondLst>
+                                  <p:childTnLst>
+                                    <p:set>
+                                      <p:cBhvr>
+                                        <p:cTn id="18" dur="1" fill="hold">
+                                          <p:stCondLst>
+                                            <p:cond delay="0"/>
+                                          </p:stCondLst>
+                                        </p:cTn>
+                                        <p:tgtEl>
+                                          <p:spTgt spid="3">
+                                            <p:txEl>
+                                              <p:pRg st="3" end="3"/>
+                                            </p:txEl>
+                                          </p:spTgt>
+                                        </p:tgtEl>
+                                        <p:attrNameLst>
+                                          <p:attrName>style.visibility</p:attrName>
+                                        </p:attrNameLst>
+                                      </p:cBhvr>
+                                      <p:to>
+                                        <p:strVal val="visible"/>
+                                      </p:to>
+                                    </p:set>
+                                  </p:childTnLst>
+                                </p:cTn>
+                              </p:par>
+                            </p:childTnLst>
+                          </p:cTn>
+                        </p:par>
+                      </p:childTnLst>
+                    </p:cTn>
+                  </p:par>
+                  <p:par>
+                    <p:cTn id="19" fill="hold">
+                      <p:stCondLst>
+                        <p:cond delay="indefinite"/>
+                      </p:stCondLst>
+                      <p:childTnLst>
+                        <p:par>
+                          <p:cTn id="20" fill="hold">
+                            <p:stCondLst>
+                              <p:cond delay="0"/>
+                            </p:stCondLst>
+                            <p:childTnLst>
+                              <p:par>
+                                <p:cTn id="21" presetID="1" presetClass="entr" presetSubtype="0" fill="hold" grpId="0" nodeType="clickEffect">
+                                  <p:stCondLst>
+                                    <p:cond delay="0"/>
+                                  </p:stCondLst>
+                                  <p:childTnLst>
+                                    <p:set>
+                                      <p:cBhvr>
+                                        <p:cTn id="22" dur="1" fill="hold">
+                                          <p:stCondLst>
+                                            <p:cond delay="0"/>
+                                          </p:stCondLst>
+                                        </p:cTn>
+                                        <p:tgtEl>
+                                          <p:spTgt spid="3">
+                                            <p:txEl>
+                                              <p:pRg st="4" end="4"/>
+                                            </p:txEl>
+                                          </p:spTgt>
+                                        </p:tgtEl>
+                                        <p:attrNameLst>
+                                          <p:attrName>style.visibility</p:attrName>
+                                        </p:attrNameLst>
+                                      </p:cBhvr>
+                                      <p:to>
+                                        <p:strVal val="visible"/>
+                                      </p:to>
+                                    </p:set>
+                                  </p:childTnLst>
+                                </p:cTn>
+                              </p:par>
+                            </p:childTnLst>
+                          </p:cTn>
+                        </p:par>
+                      </p:childTnLst>
+                    </p:cTn>
+                  </p:par>
+                  <p:par>
+                    <p:cTn id="23" fill="hold">
+                      <p:stCondLst>
+                        <p:cond delay="indefinite"/>
+                      </p:stCondLst>
+                      <p:childTnLst>
+                        <p:par>
+                          <p:cTn id="24" fill="hold">
+                            <p:stCondLst>
+                              <p:cond delay="0"/>
+                            </p:stCondLst>
+                            <p:childTnLst>
+                              <p:par>
+                                <p:cTn id="25" presetID="1" presetClass="entr" presetSubtype="0" fill="hold" grpId="0" nodeType="clickEffect">
+                                  <p:stCondLst>
+                                    <p:cond delay="0"/>
+                                  </p:stCondLst>
+                                  <p:childTnLst>
+                                    <p:set>
+                                      <p:cBhvr>
+                                        <p:cTn id="26" dur="1" fill="hold">
+                                          <p:stCondLst>
+                                            <p:cond delay="0"/>
+                                          </p:stCondLst>
+                                        </p:cTn>
+                                        <p:tgtEl>
+                                          <p:spTgt spid="3">
+                                            <p:txEl>
+                                              <p:pRg st="5" end="5"/>
+                                            </p:txEl>
+                                          </p:spTgt>
+                                        </p:tgtEl>
+                                        <p:attrNameLst>
+                                          <p:attrName>style.visibility</p:attrName>
+                                        </p:attrNameLst>
+                                      </p:cBhvr>
+                                      <p:to>
+                                        <p:strVal val="visible"/>
+                                      </p:to>
+                                    </p:set>
+                                  </p:childTnLst>
+                                </p:cTn>
+                              </p:par>
+                            </p:childTnLst>
+                          </p:cTn>
+                        </p:par>
+                      </p:childTnLst>
+                    </p:cTn>
+                  </p:par>
+                  <p:par>
+                    <p:cTn id="27" fill="hold">
+                      <p:stCondLst>
+                        <p:cond delay="indefinite"/>
+                      </p:stCondLst>
+                      <p:childTnLst>
+                        <p:par>
+                          <p:cTn id="28" fill="hold">
+                            <p:stCondLst>
+                              <p:cond delay="0"/>
+                            </p:stCondLst>
+                            <p:childTnLst>
+                              <p:par>
+                                <p:cTn id="29" presetID="1" presetClass="entr" presetSubtype="0" fill="hold" grpId="0" nodeType="clickEffect">
+                                  <p:stCondLst>
+                                    <p:cond delay="0"/>
+                                  </p:stCondLst>
+                                  <p:childTnLst>
+                                    <p:set>
+                                      <p:cBhvr>
+                                        <p:cTn id="30" dur="1" fill="hold">
+                                          <p:stCondLst>
+                                            <p:cond delay="0"/>
+                                          </p:stCondLst>
+                                        </p:cTn>
+                                        <p:tgtEl>
+                                          <p:spTgt spid="3">
+                                            <p:txEl>
+                                              <p:pRg st="6" end="6"/>
+                                            </p:txEl>
+                                          </p:spTgt>
+                                        </p:tgtEl>
+                                        <p:attrNameLst>
+                                          <p:attrName>style.visibility</p:attrName>
+                                        </p:attrNameLst>
+                                      </p:cBhvr>
+                                      <p:to>
+                                        <p:strVal val="visible"/>
+                                      </p:to>
+                                    </p:set>
+                                  </p:childTnLst>
+                                </p:cTn>
+                              </p:par>
+                            </p:childTnLst>
+                          </p:cTn>
+                        </p:par>
+                      </p:childTnLst>
+                    </p:cTn>
+                  </p:par>
+                </p:childTnLst>
+              </p:cTn>
+              <p:prevCondLst>
+                <p:cond evt="onPrev" delay="0">
+                  <p:tgtEl>
+                    <p:sldTgt/>
+                  </p:tgtEl>
+                </p:cond>
+              </p:prevCondLst>
+              <p:nextCondLst>
+                <p:cond evt="onNext" delay="0">
+                  <p:tgtEl>
+                    <p:sldTgt/>
+                  </p:tgtEl>
+                </p:cond>
+              </p:nextCondLst>
+            </p:seq>
+          </p:childTnLst>
+        </p:cTn>
       </p:par>
     </p:tnLst>
+    <p:bldLst>
+      <p:bldP spid="3" grpId="0" build="p"/>
+    </p:bldLst>
   </p:timing>
 </p:sld>
 </file>
@@ -9281,11 +13183,7 @@
             </a:r>
             <a:r>
               <a:rPr lang="en-CA" dirty="0" smtClean="0"/>
-              <a:t>: the standard system above is not sufficient, a provider may want to protect itself with read/write permissions, but its direct clients may want to hand specifi</a:t>
-            </a:r>
-            <a:r>
-              <a:rPr lang="en-CA" dirty="0" smtClean="0"/>
-              <a:t>c URIs from the content provider to other apps</a:t>
+              <a:t>: the standard system above is not sufficient, a provider may want to protect itself with read/write permissions, but its direct clients may want to hand specific URIs from the content provider to other apps</a:t>
             </a:r>
           </a:p>
           <a:p>
@@ -9311,19 +13209,7 @@
           <a:p>
             <a:r>
               <a:rPr lang="en-CA" dirty="0" smtClean="0"/>
-              <a:t>C</a:t>
-            </a:r>
-            <a:r>
-              <a:rPr lang="en-CA" dirty="0" smtClean="0"/>
-              <a:t>alled fine-grained permissions, declare</a:t>
-            </a:r>
-            <a:r>
-              <a:rPr lang="en-CA" dirty="0" smtClean="0"/>
-              <a:t>d </a:t>
-            </a:r>
-            <a:r>
-              <a:rPr lang="en-CA" dirty="0" smtClean="0"/>
-              <a:t>in manifest through &lt;grant-</a:t>
+              <a:t>Called fine-grained permissions, declared in manifest through &lt;grant-</a:t>
             </a:r>
             <a:r>
               <a:rPr lang="en-CA" dirty="0" err="1" smtClean="0"/>
@@ -9384,9 +13270,427 @@
   <p:timing>
     <p:tnLst>
       <p:par>
-        <p:cTn id="1" dur="indefinite" restart="never" nodeType="tmRoot"/>
+        <p:cTn id="1" dur="indefinite" restart="never" nodeType="tmRoot">
+          <p:childTnLst>
+            <p:seq concurrent="1" nextAc="seek">
+              <p:cTn id="2" dur="indefinite" nodeType="mainSeq">
+                <p:childTnLst>
+                  <p:par>
+                    <p:cTn id="3" fill="hold">
+                      <p:stCondLst>
+                        <p:cond delay="indefinite"/>
+                      </p:stCondLst>
+                      <p:childTnLst>
+                        <p:par>
+                          <p:cTn id="4" fill="hold">
+                            <p:stCondLst>
+                              <p:cond delay="0"/>
+                            </p:stCondLst>
+                            <p:childTnLst>
+                              <p:par>
+                                <p:cTn id="5" presetID="1" presetClass="entr" presetSubtype="0" fill="hold" grpId="0" nodeType="clickEffect">
+                                  <p:stCondLst>
+                                    <p:cond delay="0"/>
+                                  </p:stCondLst>
+                                  <p:childTnLst>
+                                    <p:set>
+                                      <p:cBhvr>
+                                        <p:cTn id="6" dur="1" fill="hold">
+                                          <p:stCondLst>
+                                            <p:cond delay="0"/>
+                                          </p:stCondLst>
+                                        </p:cTn>
+                                        <p:tgtEl>
+                                          <p:spTgt spid="3">
+                                            <p:txEl>
+                                              <p:pRg st="0" end="0"/>
+                                            </p:txEl>
+                                          </p:spTgt>
+                                        </p:tgtEl>
+                                        <p:attrNameLst>
+                                          <p:attrName>style.visibility</p:attrName>
+                                        </p:attrNameLst>
+                                      </p:cBhvr>
+                                      <p:to>
+                                        <p:strVal val="visible"/>
+                                      </p:to>
+                                    </p:set>
+                                  </p:childTnLst>
+                                </p:cTn>
+                              </p:par>
+                            </p:childTnLst>
+                          </p:cTn>
+                        </p:par>
+                      </p:childTnLst>
+                    </p:cTn>
+                  </p:par>
+                  <p:par>
+                    <p:cTn id="7" fill="hold">
+                      <p:stCondLst>
+                        <p:cond delay="indefinite"/>
+                      </p:stCondLst>
+                      <p:childTnLst>
+                        <p:par>
+                          <p:cTn id="8" fill="hold">
+                            <p:stCondLst>
+                              <p:cond delay="0"/>
+                            </p:stCondLst>
+                            <p:childTnLst>
+                              <p:par>
+                                <p:cTn id="9" presetID="1" presetClass="entr" presetSubtype="0" fill="hold" grpId="0" nodeType="clickEffect">
+                                  <p:stCondLst>
+                                    <p:cond delay="0"/>
+                                  </p:stCondLst>
+                                  <p:childTnLst>
+                                    <p:set>
+                                      <p:cBhvr>
+                                        <p:cTn id="10" dur="1" fill="hold">
+                                          <p:stCondLst>
+                                            <p:cond delay="0"/>
+                                          </p:stCondLst>
+                                        </p:cTn>
+                                        <p:tgtEl>
+                                          <p:spTgt spid="3">
+                                            <p:txEl>
+                                              <p:pRg st="1" end="1"/>
+                                            </p:txEl>
+                                          </p:spTgt>
+                                        </p:tgtEl>
+                                        <p:attrNameLst>
+                                          <p:attrName>style.visibility</p:attrName>
+                                        </p:attrNameLst>
+                                      </p:cBhvr>
+                                      <p:to>
+                                        <p:strVal val="visible"/>
+                                      </p:to>
+                                    </p:set>
+                                  </p:childTnLst>
+                                </p:cTn>
+                              </p:par>
+                            </p:childTnLst>
+                          </p:cTn>
+                        </p:par>
+                      </p:childTnLst>
+                    </p:cTn>
+                  </p:par>
+                  <p:par>
+                    <p:cTn id="11" fill="hold">
+                      <p:stCondLst>
+                        <p:cond delay="indefinite"/>
+                      </p:stCondLst>
+                      <p:childTnLst>
+                        <p:par>
+                          <p:cTn id="12" fill="hold">
+                            <p:stCondLst>
+                              <p:cond delay="0"/>
+                            </p:stCondLst>
+                            <p:childTnLst>
+                              <p:par>
+                                <p:cTn id="13" presetID="1" presetClass="entr" presetSubtype="0" fill="hold" grpId="0" nodeType="clickEffect">
+                                  <p:stCondLst>
+                                    <p:cond delay="0"/>
+                                  </p:stCondLst>
+                                  <p:childTnLst>
+                                    <p:set>
+                                      <p:cBhvr>
+                                        <p:cTn id="14" dur="1" fill="hold">
+                                          <p:stCondLst>
+                                            <p:cond delay="0"/>
+                                          </p:stCondLst>
+                                        </p:cTn>
+                                        <p:tgtEl>
+                                          <p:spTgt spid="3">
+                                            <p:txEl>
+                                              <p:pRg st="2" end="2"/>
+                                            </p:txEl>
+                                          </p:spTgt>
+                                        </p:tgtEl>
+                                        <p:attrNameLst>
+                                          <p:attrName>style.visibility</p:attrName>
+                                        </p:attrNameLst>
+                                      </p:cBhvr>
+                                      <p:to>
+                                        <p:strVal val="visible"/>
+                                      </p:to>
+                                    </p:set>
+                                  </p:childTnLst>
+                                </p:cTn>
+                              </p:par>
+                            </p:childTnLst>
+                          </p:cTn>
+                        </p:par>
+                      </p:childTnLst>
+                    </p:cTn>
+                  </p:par>
+                  <p:par>
+                    <p:cTn id="15" fill="hold">
+                      <p:stCondLst>
+                        <p:cond delay="indefinite"/>
+                      </p:stCondLst>
+                      <p:childTnLst>
+                        <p:par>
+                          <p:cTn id="16" fill="hold">
+                            <p:stCondLst>
+                              <p:cond delay="0"/>
+                            </p:stCondLst>
+                            <p:childTnLst>
+                              <p:par>
+                                <p:cTn id="17" presetID="1" presetClass="entr" presetSubtype="0" fill="hold" grpId="0" nodeType="clickEffect">
+                                  <p:stCondLst>
+                                    <p:cond delay="0"/>
+                                  </p:stCondLst>
+                                  <p:childTnLst>
+                                    <p:set>
+                                      <p:cBhvr>
+                                        <p:cTn id="18" dur="1" fill="hold">
+                                          <p:stCondLst>
+                                            <p:cond delay="0"/>
+                                          </p:stCondLst>
+                                        </p:cTn>
+                                        <p:tgtEl>
+                                          <p:spTgt spid="3">
+                                            <p:txEl>
+                                              <p:pRg st="3" end="3"/>
+                                            </p:txEl>
+                                          </p:spTgt>
+                                        </p:tgtEl>
+                                        <p:attrNameLst>
+                                          <p:attrName>style.visibility</p:attrName>
+                                        </p:attrNameLst>
+                                      </p:cBhvr>
+                                      <p:to>
+                                        <p:strVal val="visible"/>
+                                      </p:to>
+                                    </p:set>
+                                  </p:childTnLst>
+                                </p:cTn>
+                              </p:par>
+                            </p:childTnLst>
+                          </p:cTn>
+                        </p:par>
+                      </p:childTnLst>
+                    </p:cTn>
+                  </p:par>
+                  <p:par>
+                    <p:cTn id="19" fill="hold">
+                      <p:stCondLst>
+                        <p:cond delay="indefinite"/>
+                      </p:stCondLst>
+                      <p:childTnLst>
+                        <p:par>
+                          <p:cTn id="20" fill="hold">
+                            <p:stCondLst>
+                              <p:cond delay="0"/>
+                            </p:stCondLst>
+                            <p:childTnLst>
+                              <p:par>
+                                <p:cTn id="21" presetID="1" presetClass="entr" presetSubtype="0" fill="hold" grpId="0" nodeType="clickEffect">
+                                  <p:stCondLst>
+                                    <p:cond delay="0"/>
+                                  </p:stCondLst>
+                                  <p:childTnLst>
+                                    <p:set>
+                                      <p:cBhvr>
+                                        <p:cTn id="22" dur="1" fill="hold">
+                                          <p:stCondLst>
+                                            <p:cond delay="0"/>
+                                          </p:stCondLst>
+                                        </p:cTn>
+                                        <p:tgtEl>
+                                          <p:spTgt spid="3">
+                                            <p:txEl>
+                                              <p:pRg st="4" end="4"/>
+                                            </p:txEl>
+                                          </p:spTgt>
+                                        </p:tgtEl>
+                                        <p:attrNameLst>
+                                          <p:attrName>style.visibility</p:attrName>
+                                        </p:attrNameLst>
+                                      </p:cBhvr>
+                                      <p:to>
+                                        <p:strVal val="visible"/>
+                                      </p:to>
+                                    </p:set>
+                                  </p:childTnLst>
+                                </p:cTn>
+                              </p:par>
+                            </p:childTnLst>
+                          </p:cTn>
+                        </p:par>
+                      </p:childTnLst>
+                    </p:cTn>
+                  </p:par>
+                  <p:par>
+                    <p:cTn id="23" fill="hold">
+                      <p:stCondLst>
+                        <p:cond delay="indefinite"/>
+                      </p:stCondLst>
+                      <p:childTnLst>
+                        <p:par>
+                          <p:cTn id="24" fill="hold">
+                            <p:stCondLst>
+                              <p:cond delay="0"/>
+                            </p:stCondLst>
+                            <p:childTnLst>
+                              <p:par>
+                                <p:cTn id="25" presetID="1" presetClass="entr" presetSubtype="0" fill="hold" grpId="0" nodeType="clickEffect">
+                                  <p:stCondLst>
+                                    <p:cond delay="0"/>
+                                  </p:stCondLst>
+                                  <p:childTnLst>
+                                    <p:set>
+                                      <p:cBhvr>
+                                        <p:cTn id="26" dur="1" fill="hold">
+                                          <p:stCondLst>
+                                            <p:cond delay="0"/>
+                                          </p:stCondLst>
+                                        </p:cTn>
+                                        <p:tgtEl>
+                                          <p:spTgt spid="3">
+                                            <p:txEl>
+                                              <p:pRg st="5" end="5"/>
+                                            </p:txEl>
+                                          </p:spTgt>
+                                        </p:tgtEl>
+                                        <p:attrNameLst>
+                                          <p:attrName>style.visibility</p:attrName>
+                                        </p:attrNameLst>
+                                      </p:cBhvr>
+                                      <p:to>
+                                        <p:strVal val="visible"/>
+                                      </p:to>
+                                    </p:set>
+                                  </p:childTnLst>
+                                </p:cTn>
+                              </p:par>
+                            </p:childTnLst>
+                          </p:cTn>
+                        </p:par>
+                      </p:childTnLst>
+                    </p:cTn>
+                  </p:par>
+                  <p:par>
+                    <p:cTn id="27" fill="hold">
+                      <p:stCondLst>
+                        <p:cond delay="indefinite"/>
+                      </p:stCondLst>
+                      <p:childTnLst>
+                        <p:par>
+                          <p:cTn id="28" fill="hold">
+                            <p:stCondLst>
+                              <p:cond delay="0"/>
+                            </p:stCondLst>
+                            <p:childTnLst>
+                              <p:par>
+                                <p:cTn id="29" presetID="1" presetClass="entr" presetSubtype="0" fill="hold" grpId="0" nodeType="clickEffect">
+                                  <p:stCondLst>
+                                    <p:cond delay="0"/>
+                                  </p:stCondLst>
+                                  <p:childTnLst>
+                                    <p:set>
+                                      <p:cBhvr>
+                                        <p:cTn id="30" dur="1" fill="hold">
+                                          <p:stCondLst>
+                                            <p:cond delay="0"/>
+                                          </p:stCondLst>
+                                        </p:cTn>
+                                        <p:tgtEl>
+                                          <p:spTgt spid="3">
+                                            <p:txEl>
+                                              <p:pRg st="6" end="6"/>
+                                            </p:txEl>
+                                          </p:spTgt>
+                                        </p:tgtEl>
+                                        <p:attrNameLst>
+                                          <p:attrName>style.visibility</p:attrName>
+                                        </p:attrNameLst>
+                                      </p:cBhvr>
+                                      <p:to>
+                                        <p:strVal val="visible"/>
+                                      </p:to>
+                                    </p:set>
+                                  </p:childTnLst>
+                                </p:cTn>
+                              </p:par>
+                            </p:childTnLst>
+                          </p:cTn>
+                        </p:par>
+                      </p:childTnLst>
+                    </p:cTn>
+                  </p:par>
+                  <p:par>
+                    <p:cTn id="31" fill="hold">
+                      <p:stCondLst>
+                        <p:cond delay="indefinite"/>
+                      </p:stCondLst>
+                      <p:childTnLst>
+                        <p:par>
+                          <p:cTn id="32" fill="hold">
+                            <p:stCondLst>
+                              <p:cond delay="0"/>
+                            </p:stCondLst>
+                            <p:childTnLst>
+                              <p:par>
+                                <p:cTn id="33" presetID="1" presetClass="entr" presetSubtype="0" fill="hold" grpId="0" nodeType="clickEffect">
+                                  <p:stCondLst>
+                                    <p:cond delay="0"/>
+                                  </p:stCondLst>
+                                  <p:childTnLst>
+                                    <p:set>
+                                      <p:cBhvr>
+                                        <p:cTn id="34" dur="1" fill="hold">
+                                          <p:stCondLst>
+                                            <p:cond delay="0"/>
+                                          </p:stCondLst>
+                                        </p:cTn>
+                                        <p:tgtEl>
+                                          <p:spTgt spid="3">
+                                            <p:txEl>
+                                              <p:pRg st="7" end="7"/>
+                                            </p:txEl>
+                                          </p:spTgt>
+                                        </p:tgtEl>
+                                        <p:attrNameLst>
+                                          <p:attrName>style.visibility</p:attrName>
+                                        </p:attrNameLst>
+                                      </p:cBhvr>
+                                      <p:to>
+                                        <p:strVal val="visible"/>
+                                      </p:to>
+                                    </p:set>
+                                  </p:childTnLst>
+                                </p:cTn>
+                              </p:par>
+                            </p:childTnLst>
+                          </p:cTn>
+                        </p:par>
+                      </p:childTnLst>
+                    </p:cTn>
+                  </p:par>
+                </p:childTnLst>
+              </p:cTn>
+              <p:prevCondLst>
+                <p:cond evt="onPrev" delay="0">
+                  <p:tgtEl>
+                    <p:sldTgt/>
+                  </p:tgtEl>
+                </p:cond>
+              </p:prevCondLst>
+              <p:nextCondLst>
+                <p:cond evt="onNext" delay="0">
+                  <p:tgtEl>
+                    <p:sldTgt/>
+                  </p:tgtEl>
+                </p:cond>
+              </p:nextCondLst>
+            </p:seq>
+          </p:childTnLst>
+        </p:cTn>
       </p:par>
     </p:tnLst>
+    <p:bldLst>
+      <p:bldP spid="3" grpId="0" build="p"/>
+    </p:bldLst>
   </p:timing>
 </p:sld>
 </file>
@@ -9596,9 +13900,378 @@
   <p:timing>
     <p:tnLst>
       <p:par>
-        <p:cTn id="1" dur="indefinite" restart="never" nodeType="tmRoot"/>
+        <p:cTn id="1" dur="indefinite" restart="never" nodeType="tmRoot">
+          <p:childTnLst>
+            <p:seq concurrent="1" nextAc="seek">
+              <p:cTn id="2" dur="indefinite" nodeType="mainSeq">
+                <p:childTnLst>
+                  <p:par>
+                    <p:cTn id="3" fill="hold">
+                      <p:stCondLst>
+                        <p:cond delay="indefinite"/>
+                      </p:stCondLst>
+                      <p:childTnLst>
+                        <p:par>
+                          <p:cTn id="4" fill="hold">
+                            <p:stCondLst>
+                              <p:cond delay="0"/>
+                            </p:stCondLst>
+                            <p:childTnLst>
+                              <p:par>
+                                <p:cTn id="5" presetID="1" presetClass="entr" presetSubtype="0" fill="hold" grpId="0" nodeType="clickEffect">
+                                  <p:stCondLst>
+                                    <p:cond delay="0"/>
+                                  </p:stCondLst>
+                                  <p:childTnLst>
+                                    <p:set>
+                                      <p:cBhvr>
+                                        <p:cTn id="6" dur="1" fill="hold">
+                                          <p:stCondLst>
+                                            <p:cond delay="0"/>
+                                          </p:stCondLst>
+                                        </p:cTn>
+                                        <p:tgtEl>
+                                          <p:spTgt spid="3">
+                                            <p:txEl>
+                                              <p:pRg st="0" end="0"/>
+                                            </p:txEl>
+                                          </p:spTgt>
+                                        </p:tgtEl>
+                                        <p:attrNameLst>
+                                          <p:attrName>style.visibility</p:attrName>
+                                        </p:attrNameLst>
+                                      </p:cBhvr>
+                                      <p:to>
+                                        <p:strVal val="visible"/>
+                                      </p:to>
+                                    </p:set>
+                                  </p:childTnLst>
+                                </p:cTn>
+                              </p:par>
+                            </p:childTnLst>
+                          </p:cTn>
+                        </p:par>
+                      </p:childTnLst>
+                    </p:cTn>
+                  </p:par>
+                  <p:par>
+                    <p:cTn id="7" fill="hold">
+                      <p:stCondLst>
+                        <p:cond delay="indefinite"/>
+                      </p:stCondLst>
+                      <p:childTnLst>
+                        <p:par>
+                          <p:cTn id="8" fill="hold">
+                            <p:stCondLst>
+                              <p:cond delay="0"/>
+                            </p:stCondLst>
+                            <p:childTnLst>
+                              <p:par>
+                                <p:cTn id="9" presetID="1" presetClass="entr" presetSubtype="0" fill="hold" grpId="0" nodeType="clickEffect">
+                                  <p:stCondLst>
+                                    <p:cond delay="0"/>
+                                  </p:stCondLst>
+                                  <p:childTnLst>
+                                    <p:set>
+                                      <p:cBhvr>
+                                        <p:cTn id="10" dur="1" fill="hold">
+                                          <p:stCondLst>
+                                            <p:cond delay="0"/>
+                                          </p:stCondLst>
+                                        </p:cTn>
+                                        <p:tgtEl>
+                                          <p:spTgt spid="3">
+                                            <p:txEl>
+                                              <p:pRg st="1" end="1"/>
+                                            </p:txEl>
+                                          </p:spTgt>
+                                        </p:tgtEl>
+                                        <p:attrNameLst>
+                                          <p:attrName>style.visibility</p:attrName>
+                                        </p:attrNameLst>
+                                      </p:cBhvr>
+                                      <p:to>
+                                        <p:strVal val="visible"/>
+                                      </p:to>
+                                    </p:set>
+                                  </p:childTnLst>
+                                </p:cTn>
+                              </p:par>
+                            </p:childTnLst>
+                          </p:cTn>
+                        </p:par>
+                      </p:childTnLst>
+                    </p:cTn>
+                  </p:par>
+                  <p:par>
+                    <p:cTn id="11" fill="hold">
+                      <p:stCondLst>
+                        <p:cond delay="indefinite"/>
+                      </p:stCondLst>
+                      <p:childTnLst>
+                        <p:par>
+                          <p:cTn id="12" fill="hold">
+                            <p:stCondLst>
+                              <p:cond delay="0"/>
+                            </p:stCondLst>
+                            <p:childTnLst>
+                              <p:par>
+                                <p:cTn id="13" presetID="1" presetClass="entr" presetSubtype="0" fill="hold" grpId="0" nodeType="clickEffect">
+                                  <p:stCondLst>
+                                    <p:cond delay="0"/>
+                                  </p:stCondLst>
+                                  <p:childTnLst>
+                                    <p:set>
+                                      <p:cBhvr>
+                                        <p:cTn id="14" dur="1" fill="hold">
+                                          <p:stCondLst>
+                                            <p:cond delay="0"/>
+                                          </p:stCondLst>
+                                        </p:cTn>
+                                        <p:tgtEl>
+                                          <p:spTgt spid="3">
+                                            <p:txEl>
+                                              <p:pRg st="2" end="2"/>
+                                            </p:txEl>
+                                          </p:spTgt>
+                                        </p:tgtEl>
+                                        <p:attrNameLst>
+                                          <p:attrName>style.visibility</p:attrName>
+                                        </p:attrNameLst>
+                                      </p:cBhvr>
+                                      <p:to>
+                                        <p:strVal val="visible"/>
+                                      </p:to>
+                                    </p:set>
+                                  </p:childTnLst>
+                                </p:cTn>
+                              </p:par>
+                            </p:childTnLst>
+                          </p:cTn>
+                        </p:par>
+                      </p:childTnLst>
+                    </p:cTn>
+                  </p:par>
+                  <p:par>
+                    <p:cTn id="15" fill="hold">
+                      <p:stCondLst>
+                        <p:cond delay="indefinite"/>
+                      </p:stCondLst>
+                      <p:childTnLst>
+                        <p:par>
+                          <p:cTn id="16" fill="hold">
+                            <p:stCondLst>
+                              <p:cond delay="0"/>
+                            </p:stCondLst>
+                            <p:childTnLst>
+                              <p:par>
+                                <p:cTn id="17" presetID="1" presetClass="entr" presetSubtype="0" fill="hold" grpId="0" nodeType="clickEffect">
+                                  <p:stCondLst>
+                                    <p:cond delay="0"/>
+                                  </p:stCondLst>
+                                  <p:childTnLst>
+                                    <p:set>
+                                      <p:cBhvr>
+                                        <p:cTn id="18" dur="1" fill="hold">
+                                          <p:stCondLst>
+                                            <p:cond delay="0"/>
+                                          </p:stCondLst>
+                                        </p:cTn>
+                                        <p:tgtEl>
+                                          <p:spTgt spid="3">
+                                            <p:txEl>
+                                              <p:pRg st="3" end="3"/>
+                                            </p:txEl>
+                                          </p:spTgt>
+                                        </p:tgtEl>
+                                        <p:attrNameLst>
+                                          <p:attrName>style.visibility</p:attrName>
+                                        </p:attrNameLst>
+                                      </p:cBhvr>
+                                      <p:to>
+                                        <p:strVal val="visible"/>
+                                      </p:to>
+                                    </p:set>
+                                  </p:childTnLst>
+                                </p:cTn>
+                              </p:par>
+                            </p:childTnLst>
+                          </p:cTn>
+                        </p:par>
+                      </p:childTnLst>
+                    </p:cTn>
+                  </p:par>
+                  <p:par>
+                    <p:cTn id="19" fill="hold">
+                      <p:stCondLst>
+                        <p:cond delay="indefinite"/>
+                      </p:stCondLst>
+                      <p:childTnLst>
+                        <p:par>
+                          <p:cTn id="20" fill="hold">
+                            <p:stCondLst>
+                              <p:cond delay="0"/>
+                            </p:stCondLst>
+                            <p:childTnLst>
+                              <p:par>
+                                <p:cTn id="21" presetID="1" presetClass="entr" presetSubtype="0" fill="hold" grpId="0" nodeType="clickEffect">
+                                  <p:stCondLst>
+                                    <p:cond delay="0"/>
+                                  </p:stCondLst>
+                                  <p:childTnLst>
+                                    <p:set>
+                                      <p:cBhvr>
+                                        <p:cTn id="22" dur="1" fill="hold">
+                                          <p:stCondLst>
+                                            <p:cond delay="0"/>
+                                          </p:stCondLst>
+                                        </p:cTn>
+                                        <p:tgtEl>
+                                          <p:spTgt spid="3">
+                                            <p:txEl>
+                                              <p:pRg st="4" end="4"/>
+                                            </p:txEl>
+                                          </p:spTgt>
+                                        </p:tgtEl>
+                                        <p:attrNameLst>
+                                          <p:attrName>style.visibility</p:attrName>
+                                        </p:attrNameLst>
+                                      </p:cBhvr>
+                                      <p:to>
+                                        <p:strVal val="visible"/>
+                                      </p:to>
+                                    </p:set>
+                                  </p:childTnLst>
+                                </p:cTn>
+                              </p:par>
+                            </p:childTnLst>
+                          </p:cTn>
+                        </p:par>
+                      </p:childTnLst>
+                    </p:cTn>
+                  </p:par>
+                  <p:par>
+                    <p:cTn id="23" fill="hold">
+                      <p:stCondLst>
+                        <p:cond delay="indefinite"/>
+                      </p:stCondLst>
+                      <p:childTnLst>
+                        <p:par>
+                          <p:cTn id="24" fill="hold">
+                            <p:stCondLst>
+                              <p:cond delay="0"/>
+                            </p:stCondLst>
+                            <p:childTnLst>
+                              <p:par>
+                                <p:cTn id="25" presetID="1" presetClass="entr" presetSubtype="0" fill="hold" grpId="0" nodeType="clickEffect">
+                                  <p:stCondLst>
+                                    <p:cond delay="0"/>
+                                  </p:stCondLst>
+                                  <p:childTnLst>
+                                    <p:set>
+                                      <p:cBhvr>
+                                        <p:cTn id="26" dur="1" fill="hold">
+                                          <p:stCondLst>
+                                            <p:cond delay="0"/>
+                                          </p:stCondLst>
+                                        </p:cTn>
+                                        <p:tgtEl>
+                                          <p:spTgt spid="3">
+                                            <p:txEl>
+                                              <p:pRg st="5" end="5"/>
+                                            </p:txEl>
+                                          </p:spTgt>
+                                        </p:tgtEl>
+                                        <p:attrNameLst>
+                                          <p:attrName>style.visibility</p:attrName>
+                                        </p:attrNameLst>
+                                      </p:cBhvr>
+                                      <p:to>
+                                        <p:strVal val="visible"/>
+                                      </p:to>
+                                    </p:set>
+                                  </p:childTnLst>
+                                </p:cTn>
+                              </p:par>
+                            </p:childTnLst>
+                          </p:cTn>
+                        </p:par>
+                      </p:childTnLst>
+                    </p:cTn>
+                  </p:par>
+                  <p:par>
+                    <p:cTn id="27" fill="hold">
+                      <p:stCondLst>
+                        <p:cond delay="indefinite"/>
+                      </p:stCondLst>
+                      <p:childTnLst>
+                        <p:par>
+                          <p:cTn id="28" fill="hold">
+                            <p:stCondLst>
+                              <p:cond delay="0"/>
+                            </p:stCondLst>
+                            <p:childTnLst>
+                              <p:par>
+                                <p:cTn id="29" presetID="1" presetClass="entr" presetSubtype="0" fill="hold" grpId="0" nodeType="clickEffect">
+                                  <p:stCondLst>
+                                    <p:cond delay="0"/>
+                                  </p:stCondLst>
+                                  <p:childTnLst>
+                                    <p:set>
+                                      <p:cBhvr>
+                                        <p:cTn id="30" dur="1" fill="hold">
+                                          <p:stCondLst>
+                                            <p:cond delay="0"/>
+                                          </p:stCondLst>
+                                        </p:cTn>
+                                        <p:tgtEl>
+                                          <p:spTgt spid="3">
+                                            <p:txEl>
+                                              <p:pRg st="6" end="6"/>
+                                            </p:txEl>
+                                          </p:spTgt>
+                                        </p:tgtEl>
+                                        <p:attrNameLst>
+                                          <p:attrName>style.visibility</p:attrName>
+                                        </p:attrNameLst>
+                                      </p:cBhvr>
+                                      <p:to>
+                                        <p:strVal val="visible"/>
+                                      </p:to>
+                                    </p:set>
+                                  </p:childTnLst>
+                                </p:cTn>
+                              </p:par>
+                            </p:childTnLst>
+                          </p:cTn>
+                        </p:par>
+                      </p:childTnLst>
+                    </p:cTn>
+                  </p:par>
+                </p:childTnLst>
+              </p:cTn>
+              <p:prevCondLst>
+                <p:cond evt="onPrev" delay="0">
+                  <p:tgtEl>
+                    <p:sldTgt/>
+                  </p:tgtEl>
+                </p:cond>
+              </p:prevCondLst>
+              <p:nextCondLst>
+                <p:cond evt="onNext" delay="0">
+                  <p:tgtEl>
+                    <p:sldTgt/>
+                  </p:tgtEl>
+                </p:cond>
+              </p:nextCondLst>
+            </p:seq>
+          </p:childTnLst>
+        </p:cTn>
       </p:par>
     </p:tnLst>
+    <p:bldLst>
+      <p:bldP spid="3" grpId="0" build="p"/>
+    </p:bldLst>
   </p:timing>
 </p:sld>
 </file>
